--- a/documentacao/Poster.pptx
+++ b/documentacao/Poster.pptx
@@ -142,7 +142,7 @@
   </p:defaultTextStyle>
   <p:extLst>
     <p:ext uri="{EFAFB233-063F-42B5-8137-9DF3F51BA10A}">
-      <p15:sldGuideLst xmlns="" xmlns:p15="http://schemas.microsoft.com/office/powerpoint/2012/main">
+      <p15:sldGuideLst xmlns:p15="http://schemas.microsoft.com/office/powerpoint/2012/main" xmlns="">
         <p15:guide id="1" orient="horz" pos="4032">
           <p15:clr>
             <a:srgbClr val="A4A3A4"/>
@@ -369,7 +369,7 @@
               <a:pPr>
                 <a:defRPr/>
               </a:pPr>
-              <a:t>‹#›</a:t>
+              <a:t>‹nº›</a:t>
             </a:fld>
             <a:endParaRPr lang="pt-BR"/>
           </a:p>
@@ -696,7 +696,7 @@
               <a:pPr>
                 <a:defRPr/>
               </a:pPr>
-              <a:t>‹#›</a:t>
+              <a:t>‹nº›</a:t>
             </a:fld>
             <a:endParaRPr lang="en-US"/>
           </a:p>
@@ -1123,7 +1123,7 @@
               <a:pPr>
                 <a:defRPr/>
               </a:pPr>
-              <a:t>‹#›</a:t>
+              <a:t>‹nº›</a:t>
             </a:fld>
             <a:endParaRPr lang="en-US"/>
           </a:p>
@@ -1314,7 +1314,7 @@
               <a:pPr>
                 <a:defRPr/>
               </a:pPr>
-              <a:t>‹#›</a:t>
+              <a:t>‹nº›</a:t>
             </a:fld>
             <a:endParaRPr lang="en-US"/>
           </a:p>
@@ -1515,7 +1515,7 @@
               <a:pPr>
                 <a:defRPr/>
               </a:pPr>
-              <a:t>‹#›</a:t>
+              <a:t>‹nº›</a:t>
             </a:fld>
             <a:endParaRPr lang="en-US"/>
           </a:p>
@@ -1706,7 +1706,7 @@
               <a:pPr>
                 <a:defRPr/>
               </a:pPr>
-              <a:t>‹#›</a:t>
+              <a:t>‹nº›</a:t>
             </a:fld>
             <a:endParaRPr lang="en-US"/>
           </a:p>
@@ -1919,7 +1919,7 @@
               <a:pPr>
                 <a:defRPr/>
               </a:pPr>
-              <a:t>‹#›</a:t>
+              <a:t>‹nº›</a:t>
             </a:fld>
             <a:endParaRPr lang="en-US"/>
           </a:p>
@@ -2228,7 +2228,7 @@
               <a:pPr>
                 <a:defRPr/>
               </a:pPr>
-              <a:t>‹#›</a:t>
+              <a:t>‹nº›</a:t>
             </a:fld>
             <a:endParaRPr lang="en-US"/>
           </a:p>
@@ -2676,7 +2676,7 @@
               <a:pPr>
                 <a:defRPr/>
               </a:pPr>
-              <a:t>‹#›</a:t>
+              <a:t>‹nº›</a:t>
             </a:fld>
             <a:endParaRPr lang="en-US"/>
           </a:p>
@@ -2815,7 +2815,7 @@
               <a:pPr>
                 <a:defRPr/>
               </a:pPr>
-              <a:t>‹#›</a:t>
+              <a:t>‹nº›</a:t>
             </a:fld>
             <a:endParaRPr lang="en-US"/>
           </a:p>
@@ -2931,7 +2931,7 @@
               <a:pPr>
                 <a:defRPr/>
               </a:pPr>
-              <a:t>‹#›</a:t>
+              <a:t>‹nº›</a:t>
             </a:fld>
             <a:endParaRPr lang="en-US"/>
           </a:p>
@@ -3229,7 +3229,7 @@
               <a:pPr>
                 <a:defRPr/>
               </a:pPr>
-              <a:t>‹#›</a:t>
+              <a:t>‹nº›</a:t>
             </a:fld>
             <a:endParaRPr lang="en-US"/>
           </a:p>
@@ -3504,7 +3504,7 @@
               <a:pPr>
                 <a:defRPr/>
               </a:pPr>
-              <a:t>‹#›</a:t>
+              <a:t>‹nº›</a:t>
             </a:fld>
             <a:endParaRPr lang="en-US"/>
           </a:p>
@@ -3794,7 +3794,7 @@
               <a:pPr>
                 <a:defRPr/>
               </a:pPr>
-              <a:t>‹#›</a:t>
+              <a:t>‹nº›</a:t>
             </a:fld>
             <a:endParaRPr lang="en-US"/>
           </a:p>
@@ -4804,7 +4804,7 @@
         <p:spPr>
           <a:xfrm>
             <a:off x="63476" y="3168352"/>
-            <a:ext cx="4665116" cy="2862322"/>
+            <a:ext cx="4665116" cy="2677656"/>
           </a:xfrm>
           <a:prstGeom prst="rect">
             <a:avLst/>
@@ -4817,1528 +4817,18 @@
           </a:bodyPr>
           <a:lstStyle/>
           <a:p>
-            <a:pPr marL="171450" indent="-171450" algn="just">
-              <a:buFontTx/>
-              <a:buChar char="•"/>
-            </a:pPr>
-            <a:r>
-              <a:rPr lang="en-US" sz="1200" dirty="0" err="1" smtClean="0">
-                <a:latin typeface="Arial"/>
-                <a:cs typeface="Arial"/>
-              </a:rPr>
-              <a:t>projeto</a:t>
-            </a:r>
-            <a:r>
-              <a:rPr lang="en-US" sz="1200" dirty="0" smtClean="0">
-                <a:latin typeface="Arial"/>
-                <a:cs typeface="Arial"/>
-              </a:rPr>
-              <a:t> </a:t>
-            </a:r>
-            <a:r>
-              <a:rPr lang="en-US" sz="1200" dirty="0" err="1">
-                <a:latin typeface="Arial"/>
-                <a:cs typeface="Arial"/>
-              </a:rPr>
-              <a:t>foi</a:t>
-            </a:r>
-            <a:r>
-              <a:rPr lang="en-US" sz="1200" dirty="0">
-                <a:latin typeface="Arial"/>
-                <a:cs typeface="Arial"/>
-              </a:rPr>
-              <a:t> </a:t>
-            </a:r>
-            <a:r>
-              <a:rPr lang="en-US" sz="1200" dirty="0" err="1">
-                <a:latin typeface="Arial"/>
-                <a:cs typeface="Arial"/>
-              </a:rPr>
-              <a:t>desenvolvido</a:t>
-            </a:r>
-            <a:r>
-              <a:rPr lang="en-US" sz="1200" dirty="0">
-                <a:latin typeface="Arial"/>
-                <a:cs typeface="Arial"/>
-              </a:rPr>
-              <a:t> </a:t>
-            </a:r>
-            <a:r>
-              <a:rPr lang="en-US" sz="1200" dirty="0" err="1">
-                <a:latin typeface="Arial"/>
-                <a:cs typeface="Arial"/>
-              </a:rPr>
-              <a:t>para</a:t>
-            </a:r>
-            <a:r>
-              <a:rPr lang="en-US" sz="1200" dirty="0">
-                <a:latin typeface="Arial"/>
-                <a:cs typeface="Arial"/>
-              </a:rPr>
-              <a:t> a </a:t>
-            </a:r>
-            <a:r>
-              <a:rPr lang="en-US" sz="1200" dirty="0" err="1">
-                <a:latin typeface="Arial"/>
-                <a:cs typeface="Arial"/>
-              </a:rPr>
-              <a:t>disciplina</a:t>
-            </a:r>
-            <a:r>
-              <a:rPr lang="en-US" sz="1200" dirty="0">
-                <a:latin typeface="Arial"/>
-                <a:cs typeface="Arial"/>
-              </a:rPr>
-              <a:t> </a:t>
-            </a:r>
-            <a:r>
-              <a:rPr lang="en-US" sz="1200" dirty="0" err="1">
-                <a:latin typeface="Arial"/>
-                <a:cs typeface="Arial"/>
-              </a:rPr>
-              <a:t>Projeto</a:t>
-            </a:r>
-            <a:r>
-              <a:rPr lang="en-US" sz="1200" dirty="0">
-                <a:latin typeface="Arial"/>
-                <a:cs typeface="Arial"/>
-              </a:rPr>
-              <a:t> </a:t>
-            </a:r>
-            <a:r>
-              <a:rPr lang="en-US" sz="1200" dirty="0" err="1">
-                <a:latin typeface="Arial"/>
-                <a:cs typeface="Arial"/>
-              </a:rPr>
-              <a:t>Integrador</a:t>
-            </a:r>
-            <a:r>
-              <a:rPr lang="en-US" sz="1200" dirty="0">
-                <a:latin typeface="Arial"/>
-                <a:cs typeface="Arial"/>
-              </a:rPr>
-              <a:t> III: </a:t>
-            </a:r>
-            <a:r>
-              <a:rPr lang="en-US" sz="1200" dirty="0" err="1">
-                <a:latin typeface="Arial"/>
-                <a:cs typeface="Arial"/>
-              </a:rPr>
-              <a:t>Sistema</a:t>
-            </a:r>
-            <a:r>
-              <a:rPr lang="en-US" sz="1200" dirty="0">
-                <a:latin typeface="Arial"/>
-                <a:cs typeface="Arial"/>
-              </a:rPr>
-              <a:t> </a:t>
-            </a:r>
-            <a:r>
-              <a:rPr lang="en-US" sz="1200" dirty="0" err="1" smtClean="0">
-                <a:latin typeface="Arial"/>
-                <a:cs typeface="Arial"/>
-              </a:rPr>
-              <a:t>Aut</a:t>
-            </a:r>
-            <a:r>
-              <a:rPr lang="en-US" sz="1200" dirty="0" err="1" smtClean="0">
-                <a:latin typeface="Arial"/>
-                <a:cs typeface="Arial"/>
-              </a:rPr>
-              <a:t>ô</a:t>
-            </a:r>
-            <a:r>
-              <a:rPr lang="en-US" sz="1200" dirty="0" err="1" smtClean="0">
-                <a:latin typeface="Arial"/>
-                <a:cs typeface="Arial"/>
-              </a:rPr>
-              <a:t>nomo</a:t>
-            </a:r>
-            <a:r>
-              <a:rPr lang="en-US" sz="1200" dirty="0">
-                <a:latin typeface="Arial"/>
-                <a:cs typeface="Arial"/>
-              </a:rPr>
-              <a:t>, com o </a:t>
-            </a:r>
-            <a:r>
-              <a:rPr lang="en-US" sz="1200" dirty="0" err="1">
-                <a:latin typeface="Arial"/>
-                <a:cs typeface="Arial"/>
-              </a:rPr>
-              <a:t>objetivo</a:t>
-            </a:r>
-            <a:r>
-              <a:rPr lang="en-US" sz="1200" dirty="0">
-                <a:latin typeface="Arial"/>
-                <a:cs typeface="Arial"/>
-              </a:rPr>
-              <a:t> de </a:t>
-            </a:r>
-            <a:r>
-              <a:rPr lang="en-US" sz="1200" dirty="0" err="1">
-                <a:latin typeface="Arial"/>
-                <a:cs typeface="Arial"/>
-              </a:rPr>
-              <a:t>aplicar</a:t>
-            </a:r>
-            <a:r>
-              <a:rPr lang="en-US" sz="1200" dirty="0">
-                <a:latin typeface="Arial"/>
-                <a:cs typeface="Arial"/>
-              </a:rPr>
-              <a:t> </a:t>
-            </a:r>
-            <a:r>
-              <a:rPr lang="en-US" sz="1200" dirty="0" err="1" smtClean="0">
-                <a:latin typeface="Arial"/>
-                <a:cs typeface="Arial"/>
-              </a:rPr>
-              <a:t>t</a:t>
-            </a:r>
-            <a:r>
-              <a:rPr lang="en-US" sz="1200" dirty="0" err="1" smtClean="0">
-                <a:latin typeface="Arial"/>
-                <a:cs typeface="Arial"/>
-              </a:rPr>
-              <a:t>é</a:t>
-            </a:r>
-            <a:r>
-              <a:rPr lang="en-US" sz="1200" dirty="0" err="1" smtClean="0">
-                <a:latin typeface="Arial"/>
-                <a:cs typeface="Arial"/>
-              </a:rPr>
-              <a:t>cnicas</a:t>
-            </a:r>
-            <a:r>
-              <a:rPr lang="en-US" sz="1200" dirty="0" smtClean="0">
-                <a:latin typeface="Arial"/>
-                <a:cs typeface="Arial"/>
-              </a:rPr>
-              <a:t> </a:t>
-            </a:r>
-            <a:r>
-              <a:rPr lang="en-US" sz="1200" dirty="0">
-                <a:latin typeface="Arial"/>
-                <a:cs typeface="Arial"/>
-              </a:rPr>
-              <a:t>e </a:t>
-            </a:r>
-            <a:r>
-              <a:rPr lang="en-US" sz="1200" dirty="0" err="1">
-                <a:latin typeface="Arial"/>
-                <a:cs typeface="Arial"/>
-              </a:rPr>
-              <a:t>implementar</a:t>
-            </a:r>
-            <a:r>
-              <a:rPr lang="en-US" sz="1200" dirty="0">
-                <a:latin typeface="Arial"/>
-                <a:cs typeface="Arial"/>
-              </a:rPr>
-              <a:t> </a:t>
-            </a:r>
-            <a:r>
-              <a:rPr lang="en-US" sz="1200" dirty="0" err="1">
-                <a:latin typeface="Arial"/>
-                <a:cs typeface="Arial"/>
-              </a:rPr>
-              <a:t>algoritmos</a:t>
-            </a:r>
-            <a:r>
-              <a:rPr lang="en-US" sz="1200" dirty="0">
-                <a:latin typeface="Arial"/>
-                <a:cs typeface="Arial"/>
-              </a:rPr>
-              <a:t> de </a:t>
-            </a:r>
-            <a:r>
-              <a:rPr lang="en-US" sz="1200" dirty="0" err="1" smtClean="0">
-                <a:latin typeface="Arial"/>
-                <a:cs typeface="Arial"/>
-              </a:rPr>
-              <a:t>vis</a:t>
-            </a:r>
-            <a:r>
-              <a:rPr lang="en-US" sz="1200" dirty="0" err="1" smtClean="0">
-                <a:latin typeface="Arial"/>
-                <a:cs typeface="Arial"/>
-              </a:rPr>
-              <a:t>ã</a:t>
-            </a:r>
-            <a:r>
-              <a:rPr lang="en-US" sz="1200" dirty="0" err="1" smtClean="0">
-                <a:latin typeface="Arial"/>
-                <a:cs typeface="Arial"/>
-              </a:rPr>
-              <a:t>o</a:t>
-            </a:r>
-            <a:r>
-              <a:rPr lang="en-US" sz="1200" dirty="0" smtClean="0">
-                <a:latin typeface="Arial"/>
-                <a:cs typeface="Arial"/>
-              </a:rPr>
-              <a:t> </a:t>
-            </a:r>
-            <a:r>
-              <a:rPr lang="en-US" sz="1200" dirty="0" err="1">
-                <a:latin typeface="Arial"/>
-                <a:cs typeface="Arial"/>
-              </a:rPr>
-              <a:t>computacional</a:t>
-            </a:r>
-            <a:r>
-              <a:rPr lang="en-US" sz="1200" dirty="0">
-                <a:latin typeface="Arial"/>
-                <a:cs typeface="Arial"/>
-              </a:rPr>
-              <a:t> </a:t>
-            </a:r>
-            <a:r>
-              <a:rPr lang="en-US" sz="1200" dirty="0" err="1">
-                <a:latin typeface="Arial"/>
-                <a:cs typeface="Arial"/>
-              </a:rPr>
-              <a:t>em</a:t>
-            </a:r>
-            <a:r>
-              <a:rPr lang="en-US" sz="1200" dirty="0">
-                <a:latin typeface="Arial"/>
-                <a:cs typeface="Arial"/>
-              </a:rPr>
-              <a:t> um </a:t>
-            </a:r>
-            <a:r>
-              <a:rPr lang="en-US" sz="1200" dirty="0" err="1">
-                <a:latin typeface="Arial"/>
-                <a:cs typeface="Arial"/>
-              </a:rPr>
-              <a:t>jogo</a:t>
-            </a:r>
-            <a:r>
-              <a:rPr lang="en-US" sz="1200" dirty="0">
-                <a:latin typeface="Arial"/>
-                <a:cs typeface="Arial"/>
-              </a:rPr>
-              <a:t> de </a:t>
-            </a:r>
-            <a:r>
-              <a:rPr lang="en-US" sz="1200" dirty="0" err="1">
-                <a:latin typeface="Arial"/>
-                <a:cs typeface="Arial"/>
-              </a:rPr>
-              <a:t>tema</a:t>
-            </a:r>
-            <a:r>
-              <a:rPr lang="en-US" sz="1200" dirty="0">
-                <a:latin typeface="Arial"/>
-                <a:cs typeface="Arial"/>
-              </a:rPr>
-              <a:t> </a:t>
-            </a:r>
-            <a:r>
-              <a:rPr lang="en-US" sz="1200" dirty="0" err="1">
-                <a:latin typeface="Arial"/>
-                <a:cs typeface="Arial"/>
-              </a:rPr>
-              <a:t>livre</a:t>
-            </a:r>
-            <a:r>
-              <a:rPr lang="en-US" sz="1200" dirty="0">
-                <a:latin typeface="Arial"/>
-                <a:cs typeface="Arial"/>
-              </a:rPr>
-              <a:t>. Para </a:t>
-            </a:r>
-            <a:r>
-              <a:rPr lang="en-US" sz="1200" dirty="0" err="1">
-                <a:latin typeface="Arial"/>
-                <a:cs typeface="Arial"/>
-              </a:rPr>
-              <a:t>tal</a:t>
-            </a:r>
-            <a:r>
-              <a:rPr lang="en-US" sz="1200" dirty="0">
-                <a:latin typeface="Arial"/>
-                <a:cs typeface="Arial"/>
-              </a:rPr>
-              <a:t>, </a:t>
-            </a:r>
-            <a:r>
-              <a:rPr lang="en-US" sz="1200" dirty="0" err="1">
-                <a:latin typeface="Arial"/>
-                <a:cs typeface="Arial"/>
-              </a:rPr>
-              <a:t>criamos</a:t>
-            </a:r>
-            <a:r>
-              <a:rPr lang="en-US" sz="1200" dirty="0">
-                <a:latin typeface="Arial"/>
-                <a:cs typeface="Arial"/>
-              </a:rPr>
-              <a:t> um </a:t>
-            </a:r>
-            <a:r>
-              <a:rPr lang="en-US" sz="1200" dirty="0" err="1">
-                <a:latin typeface="Arial"/>
-                <a:cs typeface="Arial"/>
-              </a:rPr>
-              <a:t>jogo</a:t>
-            </a:r>
-            <a:r>
-              <a:rPr lang="en-US" sz="1200" dirty="0">
-                <a:latin typeface="Arial"/>
-                <a:cs typeface="Arial"/>
-              </a:rPr>
-              <a:t> digital </a:t>
-            </a:r>
-            <a:r>
-              <a:rPr lang="en-US" sz="1200" dirty="0" err="1">
-                <a:latin typeface="Arial"/>
-                <a:cs typeface="Arial"/>
-              </a:rPr>
-              <a:t>em</a:t>
-            </a:r>
-            <a:r>
-              <a:rPr lang="en-US" sz="1200" dirty="0">
-                <a:latin typeface="Arial"/>
-                <a:cs typeface="Arial"/>
-              </a:rPr>
-              <a:t> 2D, </a:t>
-            </a:r>
-            <a:r>
-              <a:rPr lang="en-US" sz="1200" dirty="0" err="1">
-                <a:latin typeface="Arial"/>
-                <a:cs typeface="Arial"/>
-              </a:rPr>
-              <a:t>desenvolvido</a:t>
-            </a:r>
-            <a:r>
-              <a:rPr lang="en-US" sz="1200" dirty="0">
-                <a:latin typeface="Arial"/>
-                <a:cs typeface="Arial"/>
-              </a:rPr>
-              <a:t> </a:t>
-            </a:r>
-            <a:r>
-              <a:rPr lang="en-US" sz="1200" dirty="0" err="1">
-                <a:latin typeface="Arial"/>
-                <a:cs typeface="Arial"/>
-              </a:rPr>
-              <a:t>em</a:t>
-            </a:r>
-            <a:r>
-              <a:rPr lang="en-US" sz="1200" dirty="0">
-                <a:latin typeface="Arial"/>
-                <a:cs typeface="Arial"/>
-              </a:rPr>
-              <a:t> </a:t>
-            </a:r>
-            <a:r>
-              <a:rPr lang="en-US" sz="1200" dirty="0" err="1">
-                <a:latin typeface="Arial"/>
-                <a:cs typeface="Arial"/>
-              </a:rPr>
-              <a:t>linguagem</a:t>
-            </a:r>
-            <a:r>
-              <a:rPr lang="en-US" sz="1200" dirty="0">
-                <a:latin typeface="Arial"/>
-                <a:cs typeface="Arial"/>
-              </a:rPr>
-              <a:t> C, </a:t>
-            </a:r>
-            <a:r>
-              <a:rPr lang="en-US" sz="1200" dirty="0" err="1">
-                <a:latin typeface="Arial"/>
-                <a:cs typeface="Arial"/>
-              </a:rPr>
-              <a:t>onde</a:t>
-            </a:r>
-            <a:r>
-              <a:rPr lang="en-US" sz="1200" dirty="0">
-                <a:latin typeface="Arial"/>
-                <a:cs typeface="Arial"/>
-              </a:rPr>
-              <a:t> o </a:t>
-            </a:r>
-            <a:r>
-              <a:rPr lang="en-US" sz="1200" dirty="0" err="1">
-                <a:latin typeface="Arial"/>
-                <a:cs typeface="Arial"/>
-              </a:rPr>
-              <a:t>jogador</a:t>
-            </a:r>
-            <a:r>
-              <a:rPr lang="en-US" sz="1200" dirty="0">
-                <a:latin typeface="Arial"/>
-                <a:cs typeface="Arial"/>
-              </a:rPr>
-              <a:t> </a:t>
-            </a:r>
-            <a:r>
-              <a:rPr lang="en-US" sz="1200" dirty="0" err="1">
-                <a:latin typeface="Arial"/>
-                <a:cs typeface="Arial"/>
-              </a:rPr>
-              <a:t>deve</a:t>
-            </a:r>
-            <a:r>
-              <a:rPr lang="en-US" sz="1200" dirty="0">
-                <a:latin typeface="Arial"/>
-                <a:cs typeface="Arial"/>
-              </a:rPr>
-              <a:t> </a:t>
-            </a:r>
-            <a:r>
-              <a:rPr lang="en-US" sz="1200" dirty="0" err="1">
-                <a:latin typeface="Arial"/>
-                <a:cs typeface="Arial"/>
-              </a:rPr>
-              <a:t>cuidar</a:t>
-            </a:r>
-            <a:r>
-              <a:rPr lang="en-US" sz="1200" dirty="0">
-                <a:latin typeface="Arial"/>
-                <a:cs typeface="Arial"/>
-              </a:rPr>
-              <a:t> de </a:t>
-            </a:r>
-            <a:r>
-              <a:rPr lang="en-US" sz="1200" dirty="0" err="1" smtClean="0">
-                <a:latin typeface="Arial"/>
-                <a:cs typeface="Arial"/>
-              </a:rPr>
-              <a:t>uma</a:t>
-            </a:r>
-            <a:r>
-              <a:rPr lang="en-US" sz="1200" dirty="0" smtClean="0">
-                <a:latin typeface="Arial"/>
-                <a:cs typeface="Arial"/>
-              </a:rPr>
-              <a:t> </a:t>
-            </a:r>
-            <a:r>
-              <a:rPr lang="en-US" sz="1200" dirty="0" err="1" smtClean="0">
-                <a:latin typeface="Arial"/>
-                <a:cs typeface="Arial"/>
-              </a:rPr>
-              <a:t>á</a:t>
-            </a:r>
-            <a:r>
-              <a:rPr lang="en-US" sz="1200" dirty="0" err="1" smtClean="0">
-                <a:latin typeface="Arial"/>
-                <a:cs typeface="Arial"/>
-              </a:rPr>
-              <a:t>rvore</a:t>
-            </a:r>
-            <a:r>
-              <a:rPr lang="en-US" sz="1200" dirty="0" smtClean="0">
-                <a:latin typeface="Arial"/>
-                <a:cs typeface="Arial"/>
-              </a:rPr>
-              <a:t> </a:t>
-            </a:r>
-            <a:r>
-              <a:rPr lang="en-US" sz="1200" dirty="0" err="1">
-                <a:latin typeface="Arial"/>
-                <a:cs typeface="Arial"/>
-              </a:rPr>
-              <a:t>em</a:t>
-            </a:r>
-            <a:r>
-              <a:rPr lang="en-US" sz="1200" dirty="0">
-                <a:latin typeface="Arial"/>
-                <a:cs typeface="Arial"/>
-              </a:rPr>
-              <a:t> </a:t>
-            </a:r>
-            <a:r>
-              <a:rPr lang="en-US" sz="1200" dirty="0" err="1">
-                <a:latin typeface="Arial"/>
-                <a:cs typeface="Arial"/>
-              </a:rPr>
-              <a:t>seu</a:t>
-            </a:r>
-            <a:r>
-              <a:rPr lang="en-US" sz="1200" dirty="0">
-                <a:latin typeface="Arial"/>
-                <a:cs typeface="Arial"/>
-              </a:rPr>
-              <a:t> </a:t>
-            </a:r>
-            <a:r>
-              <a:rPr lang="en-US" sz="1200" dirty="0" err="1">
-                <a:latin typeface="Arial"/>
-                <a:cs typeface="Arial"/>
-              </a:rPr>
-              <a:t>processo</a:t>
-            </a:r>
-            <a:r>
-              <a:rPr lang="en-US" sz="1200" dirty="0">
-                <a:latin typeface="Arial"/>
-                <a:cs typeface="Arial"/>
-              </a:rPr>
-              <a:t> de </a:t>
-            </a:r>
-            <a:r>
-              <a:rPr lang="en-US" sz="1200" dirty="0" err="1">
-                <a:latin typeface="Arial"/>
-                <a:cs typeface="Arial"/>
-              </a:rPr>
-              <a:t>crescimento</a:t>
-            </a:r>
-            <a:r>
-              <a:rPr lang="en-US" sz="1200" dirty="0">
-                <a:latin typeface="Arial"/>
-                <a:cs typeface="Arial"/>
-              </a:rPr>
-              <a:t>, com o </a:t>
-            </a:r>
-            <a:r>
-              <a:rPr lang="en-US" sz="1200" dirty="0" err="1">
-                <a:latin typeface="Arial"/>
-                <a:cs typeface="Arial"/>
-              </a:rPr>
-              <a:t>objetivo</a:t>
-            </a:r>
-            <a:r>
-              <a:rPr lang="en-US" sz="1200" dirty="0">
-                <a:latin typeface="Arial"/>
-                <a:cs typeface="Arial"/>
-              </a:rPr>
-              <a:t> principal de </a:t>
-            </a:r>
-            <a:r>
-              <a:rPr lang="en-US" sz="1200" dirty="0" err="1">
-                <a:latin typeface="Arial"/>
-                <a:cs typeface="Arial"/>
-              </a:rPr>
-              <a:t>colher</a:t>
-            </a:r>
-            <a:r>
-              <a:rPr lang="en-US" sz="1200" dirty="0">
-                <a:latin typeface="Arial"/>
-                <a:cs typeface="Arial"/>
-              </a:rPr>
-              <a:t> </a:t>
-            </a:r>
-            <a:r>
-              <a:rPr lang="en-US" sz="1200" dirty="0" err="1">
-                <a:latin typeface="Arial"/>
-                <a:cs typeface="Arial"/>
-              </a:rPr>
-              <a:t>os</a:t>
-            </a:r>
-            <a:r>
-              <a:rPr lang="en-US" sz="1200" dirty="0">
-                <a:latin typeface="Arial"/>
-                <a:cs typeface="Arial"/>
-              </a:rPr>
-              <a:t> </a:t>
-            </a:r>
-            <a:r>
-              <a:rPr lang="en-US" sz="1200" dirty="0" err="1">
-                <a:latin typeface="Arial"/>
-                <a:cs typeface="Arial"/>
-              </a:rPr>
-              <a:t>melhores</a:t>
-            </a:r>
-            <a:r>
-              <a:rPr lang="en-US" sz="1200" dirty="0">
-                <a:latin typeface="Arial"/>
-                <a:cs typeface="Arial"/>
-              </a:rPr>
-              <a:t> </a:t>
-            </a:r>
-            <a:r>
-              <a:rPr lang="en-US" sz="1200" dirty="0" err="1">
-                <a:latin typeface="Arial"/>
-                <a:cs typeface="Arial"/>
-              </a:rPr>
-              <a:t>frutos</a:t>
-            </a:r>
-            <a:r>
-              <a:rPr lang="en-US" sz="1200" dirty="0">
-                <a:latin typeface="Arial"/>
-                <a:cs typeface="Arial"/>
-              </a:rPr>
-              <a:t>. Para </a:t>
-            </a:r>
-            <a:r>
-              <a:rPr lang="en-US" sz="1200" dirty="0" err="1">
-                <a:latin typeface="Arial"/>
-                <a:cs typeface="Arial"/>
-              </a:rPr>
-              <a:t>isso</a:t>
-            </a:r>
-            <a:r>
-              <a:rPr lang="en-US" sz="1200" dirty="0">
-                <a:latin typeface="Arial"/>
-                <a:cs typeface="Arial"/>
-              </a:rPr>
-              <a:t>, o </a:t>
-            </a:r>
-            <a:r>
-              <a:rPr lang="en-US" sz="1200" dirty="0" err="1">
-                <a:latin typeface="Arial"/>
-                <a:cs typeface="Arial"/>
-              </a:rPr>
-              <a:t>jogador</a:t>
-            </a:r>
-            <a:r>
-              <a:rPr lang="en-US" sz="1200" dirty="0">
-                <a:latin typeface="Arial"/>
-                <a:cs typeface="Arial"/>
-              </a:rPr>
-              <a:t> </a:t>
-            </a:r>
-            <a:r>
-              <a:rPr lang="en-US" sz="1200" dirty="0" err="1" smtClean="0">
-                <a:latin typeface="Arial"/>
-                <a:cs typeface="Arial"/>
-              </a:rPr>
-              <a:t>ter</a:t>
-            </a:r>
-            <a:r>
-              <a:rPr lang="en-US" sz="1200" dirty="0" err="1" smtClean="0">
-                <a:latin typeface="Arial"/>
-                <a:cs typeface="Arial"/>
-              </a:rPr>
-              <a:t>á</a:t>
-            </a:r>
-            <a:r>
-              <a:rPr lang="en-US" sz="1200" dirty="0" smtClean="0">
-                <a:latin typeface="Arial"/>
-                <a:cs typeface="Arial"/>
-              </a:rPr>
-              <a:t> </a:t>
-            </a:r>
-            <a:r>
-              <a:rPr lang="en-US" sz="1200" dirty="0" err="1">
-                <a:latin typeface="Arial"/>
-                <a:cs typeface="Arial"/>
-              </a:rPr>
-              <a:t>como</a:t>
-            </a:r>
-            <a:r>
-              <a:rPr lang="en-US" sz="1200" dirty="0">
-                <a:latin typeface="Arial"/>
-                <a:cs typeface="Arial"/>
-              </a:rPr>
-              <a:t> </a:t>
-            </a:r>
-            <a:r>
-              <a:rPr lang="en-US" sz="1200" dirty="0" err="1">
-                <a:latin typeface="Arial"/>
-                <a:cs typeface="Arial"/>
-              </a:rPr>
-              <a:t>ferramenta</a:t>
-            </a:r>
-            <a:r>
-              <a:rPr lang="en-US" sz="1200" dirty="0">
-                <a:latin typeface="Arial"/>
-                <a:cs typeface="Arial"/>
-              </a:rPr>
-              <a:t> de </a:t>
-            </a:r>
-            <a:r>
-              <a:rPr lang="en-US" sz="1200" dirty="0" err="1" smtClean="0">
-                <a:latin typeface="Arial"/>
-                <a:cs typeface="Arial"/>
-              </a:rPr>
-              <a:t>intera</a:t>
-            </a:r>
-            <a:r>
-              <a:rPr lang="en-US" sz="1200" dirty="0" err="1" smtClean="0">
-                <a:latin typeface="Arial"/>
-                <a:cs typeface="Arial"/>
-              </a:rPr>
-              <a:t>çã</a:t>
-            </a:r>
-            <a:r>
-              <a:rPr lang="en-US" sz="1200" dirty="0" err="1" smtClean="0">
-                <a:latin typeface="Arial"/>
-                <a:cs typeface="Arial"/>
-              </a:rPr>
-              <a:t>o</a:t>
-            </a:r>
-            <a:r>
-              <a:rPr lang="en-US" sz="1200" dirty="0" smtClean="0">
-                <a:latin typeface="Arial"/>
-                <a:cs typeface="Arial"/>
-              </a:rPr>
-              <a:t> </a:t>
-            </a:r>
-            <a:r>
-              <a:rPr lang="en-US" sz="1200" dirty="0" err="1">
-                <a:latin typeface="Arial"/>
-                <a:cs typeface="Arial"/>
-              </a:rPr>
-              <a:t>uma</a:t>
-            </a:r>
-            <a:r>
-              <a:rPr lang="en-US" sz="1200" dirty="0">
-                <a:latin typeface="Arial"/>
-                <a:cs typeface="Arial"/>
-              </a:rPr>
-              <a:t> </a:t>
-            </a:r>
-            <a:r>
-              <a:rPr lang="en-US" sz="1200" dirty="0" err="1">
-                <a:latin typeface="Arial"/>
-                <a:cs typeface="Arial"/>
-              </a:rPr>
-              <a:t>varinha</a:t>
-            </a:r>
-            <a:r>
-              <a:rPr lang="en-US" sz="1200" dirty="0">
-                <a:latin typeface="Arial"/>
-                <a:cs typeface="Arial"/>
-              </a:rPr>
-              <a:t> </a:t>
-            </a:r>
-            <a:r>
-              <a:rPr lang="en-US" sz="1200" dirty="0" err="1" smtClean="0">
-                <a:latin typeface="Arial"/>
-                <a:cs typeface="Arial"/>
-              </a:rPr>
-              <a:t>m</a:t>
-            </a:r>
-            <a:r>
-              <a:rPr lang="en-US" sz="1200" dirty="0" err="1" smtClean="0">
-                <a:latin typeface="Arial"/>
-                <a:cs typeface="Arial"/>
-              </a:rPr>
-              <a:t>á</a:t>
-            </a:r>
-            <a:r>
-              <a:rPr lang="en-US" sz="1200" dirty="0" err="1" smtClean="0">
-                <a:latin typeface="Arial"/>
-                <a:cs typeface="Arial"/>
-              </a:rPr>
-              <a:t>gica</a:t>
-            </a:r>
-            <a:r>
-              <a:rPr lang="en-US" sz="1200" dirty="0">
-                <a:latin typeface="Arial"/>
-                <a:cs typeface="Arial"/>
-              </a:rPr>
-              <a:t>, </a:t>
-            </a:r>
-            <a:r>
-              <a:rPr lang="en-US" sz="1200" dirty="0" err="1">
-                <a:latin typeface="Arial"/>
-                <a:cs typeface="Arial"/>
-              </a:rPr>
-              <a:t>que</a:t>
-            </a:r>
-            <a:r>
-              <a:rPr lang="en-US" sz="1200" dirty="0">
-                <a:latin typeface="Arial"/>
-                <a:cs typeface="Arial"/>
-              </a:rPr>
-              <a:t> </a:t>
-            </a:r>
-            <a:r>
-              <a:rPr lang="en-US" sz="1200" dirty="0" err="1" smtClean="0">
-                <a:latin typeface="Arial"/>
-                <a:cs typeface="Arial"/>
-              </a:rPr>
-              <a:t>permitir</a:t>
-            </a:r>
-            <a:r>
-              <a:rPr lang="en-US" sz="1200" dirty="0" err="1" smtClean="0">
-                <a:latin typeface="Arial"/>
-                <a:cs typeface="Arial"/>
-              </a:rPr>
-              <a:t>á</a:t>
-            </a:r>
-            <a:r>
-              <a:rPr lang="en-US" sz="1200" dirty="0" smtClean="0">
-                <a:latin typeface="Arial"/>
-                <a:cs typeface="Arial"/>
-              </a:rPr>
-              <a:t> </a:t>
-            </a:r>
-            <a:r>
-              <a:rPr lang="en-US" sz="1200" dirty="0" err="1" smtClean="0">
-                <a:latin typeface="Arial"/>
-                <a:cs typeface="Arial"/>
-              </a:rPr>
-              <a:t>aplicar</a:t>
-            </a:r>
-            <a:r>
-              <a:rPr lang="en-US" sz="1200" dirty="0" smtClean="0">
-                <a:latin typeface="Arial"/>
-                <a:cs typeface="Arial"/>
-              </a:rPr>
-              <a:t> </a:t>
-            </a:r>
-            <a:r>
-              <a:rPr lang="en-US" sz="1200" dirty="0" err="1">
-                <a:latin typeface="Arial"/>
-                <a:cs typeface="Arial"/>
-              </a:rPr>
-              <a:t>poderes</a:t>
-            </a:r>
-            <a:r>
-              <a:rPr lang="en-US" sz="1200" dirty="0">
-                <a:latin typeface="Arial"/>
-                <a:cs typeface="Arial"/>
-              </a:rPr>
-              <a:t> </a:t>
-            </a:r>
-            <a:r>
-              <a:rPr lang="en-US" sz="1200" dirty="0" err="1">
-                <a:latin typeface="Arial"/>
-                <a:cs typeface="Arial"/>
-              </a:rPr>
-              <a:t>que</a:t>
-            </a:r>
-            <a:r>
-              <a:rPr lang="en-US" sz="1200" dirty="0">
-                <a:latin typeface="Arial"/>
-                <a:cs typeface="Arial"/>
-              </a:rPr>
-              <a:t> </a:t>
-            </a:r>
-            <a:r>
-              <a:rPr lang="en-US" sz="1200" dirty="0" err="1">
-                <a:latin typeface="Arial"/>
-                <a:cs typeface="Arial"/>
-              </a:rPr>
-              <a:t>interajam</a:t>
-            </a:r>
-            <a:r>
-              <a:rPr lang="en-US" sz="1200" dirty="0">
-                <a:latin typeface="Arial"/>
-                <a:cs typeface="Arial"/>
-              </a:rPr>
-              <a:t> com </a:t>
-            </a:r>
-            <a:r>
-              <a:rPr lang="en-US" sz="1200" dirty="0" err="1">
-                <a:latin typeface="Arial"/>
-                <a:cs typeface="Arial"/>
-              </a:rPr>
-              <a:t>os</a:t>
-            </a:r>
-            <a:r>
-              <a:rPr lang="en-US" sz="1200" dirty="0">
-                <a:latin typeface="Arial"/>
-                <a:cs typeface="Arial"/>
-              </a:rPr>
-              <a:t> </a:t>
-            </a:r>
-            <a:r>
-              <a:rPr lang="en-US" sz="1200" dirty="0" err="1">
-                <a:latin typeface="Arial"/>
-                <a:cs typeface="Arial"/>
-              </a:rPr>
-              <a:t>elementos</a:t>
-            </a:r>
-            <a:r>
-              <a:rPr lang="en-US" sz="1200" dirty="0">
-                <a:latin typeface="Arial"/>
-                <a:cs typeface="Arial"/>
-              </a:rPr>
-              <a:t> </a:t>
-            </a:r>
-            <a:r>
-              <a:rPr lang="en-US" sz="1200" dirty="0" err="1">
-                <a:latin typeface="Arial"/>
-                <a:cs typeface="Arial"/>
-              </a:rPr>
-              <a:t>dentro</a:t>
-            </a:r>
-            <a:r>
-              <a:rPr lang="en-US" sz="1200" dirty="0">
-                <a:latin typeface="Arial"/>
-                <a:cs typeface="Arial"/>
-              </a:rPr>
-              <a:t> do </a:t>
-            </a:r>
-            <a:r>
-              <a:rPr lang="en-US" sz="1200" dirty="0" err="1">
-                <a:latin typeface="Arial"/>
-                <a:cs typeface="Arial"/>
-              </a:rPr>
-              <a:t>jogo</a:t>
-            </a:r>
-            <a:r>
-              <a:rPr lang="en-US" sz="1200" dirty="0">
-                <a:latin typeface="Arial"/>
-                <a:cs typeface="Arial"/>
-              </a:rPr>
-              <a:t>, </a:t>
-            </a:r>
-            <a:r>
-              <a:rPr lang="en-US" sz="1200" dirty="0" err="1">
-                <a:latin typeface="Arial"/>
-                <a:cs typeface="Arial"/>
-              </a:rPr>
-              <a:t>contribuindo</a:t>
-            </a:r>
-            <a:r>
-              <a:rPr lang="en-US" sz="1200" dirty="0">
-                <a:latin typeface="Arial"/>
-                <a:cs typeface="Arial"/>
-              </a:rPr>
-              <a:t> com o </a:t>
-            </a:r>
-            <a:r>
-              <a:rPr lang="en-US" sz="1200" dirty="0" err="1">
-                <a:latin typeface="Arial"/>
-                <a:cs typeface="Arial"/>
-              </a:rPr>
-              <a:t>crescimento</a:t>
-            </a:r>
-            <a:r>
-              <a:rPr lang="en-US" sz="1200" dirty="0">
-                <a:latin typeface="Arial"/>
-                <a:cs typeface="Arial"/>
-              </a:rPr>
-              <a:t> da </a:t>
-            </a:r>
-            <a:r>
-              <a:rPr lang="en-US" sz="1200" dirty="0" err="1" smtClean="0">
-                <a:latin typeface="Arial"/>
-                <a:cs typeface="Arial"/>
-              </a:rPr>
-              <a:t>ár</a:t>
-            </a:r>
-            <a:r>
-              <a:rPr lang="en-US" sz="1200" dirty="0" err="1" smtClean="0">
-                <a:latin typeface="Arial"/>
-                <a:cs typeface="Arial"/>
-              </a:rPr>
-              <a:t>vore</a:t>
-            </a:r>
-            <a:r>
-              <a:rPr lang="en-US" sz="1200" dirty="0" smtClean="0">
-                <a:latin typeface="Arial"/>
-                <a:cs typeface="Arial"/>
-              </a:rPr>
-              <a:t> </a:t>
-            </a:r>
-            <a:r>
-              <a:rPr lang="en-US" sz="1200" dirty="0">
-                <a:latin typeface="Arial"/>
-                <a:cs typeface="Arial"/>
-              </a:rPr>
-              <a:t>e </a:t>
-            </a:r>
-            <a:r>
-              <a:rPr lang="en-US" sz="1200" dirty="0" err="1">
-                <a:latin typeface="Arial"/>
-                <a:cs typeface="Arial"/>
-              </a:rPr>
-              <a:t>impedindo</a:t>
-            </a:r>
-            <a:r>
-              <a:rPr lang="en-US" sz="1200" dirty="0">
-                <a:latin typeface="Arial"/>
-                <a:cs typeface="Arial"/>
-              </a:rPr>
-              <a:t> </a:t>
-            </a:r>
-            <a:r>
-              <a:rPr lang="en-US" sz="1200" dirty="0" err="1">
-                <a:latin typeface="Arial"/>
-                <a:cs typeface="Arial"/>
-              </a:rPr>
-              <a:t>que</a:t>
-            </a:r>
-            <a:r>
-              <a:rPr lang="en-US" sz="1200" dirty="0">
-                <a:latin typeface="Arial"/>
-                <a:cs typeface="Arial"/>
-              </a:rPr>
-              <a:t> </a:t>
-            </a:r>
-            <a:r>
-              <a:rPr lang="en-US" sz="1200" dirty="0" err="1" smtClean="0">
-                <a:latin typeface="Arial"/>
-                <a:cs typeface="Arial"/>
-              </a:rPr>
-              <a:t>pragas</a:t>
-            </a:r>
-            <a:r>
-              <a:rPr lang="en-US" sz="1200" dirty="0" smtClean="0">
-                <a:latin typeface="Arial"/>
-                <a:cs typeface="Arial"/>
-              </a:rPr>
-              <a:t> </a:t>
-            </a:r>
-            <a:r>
-              <a:rPr lang="en-US" sz="1200" dirty="0" err="1">
-                <a:latin typeface="Arial"/>
-                <a:cs typeface="Arial"/>
-              </a:rPr>
-              <a:t>ataquem</a:t>
-            </a:r>
-            <a:r>
-              <a:rPr lang="en-US" sz="1200" dirty="0">
-                <a:latin typeface="Arial"/>
-                <a:cs typeface="Arial"/>
-              </a:rPr>
-              <a:t> </a:t>
-            </a:r>
-            <a:r>
-              <a:rPr lang="en-US" sz="1200" dirty="0" err="1">
-                <a:latin typeface="Arial"/>
-                <a:cs typeface="Arial"/>
-              </a:rPr>
-              <a:t>os</a:t>
-            </a:r>
-            <a:r>
-              <a:rPr lang="en-US" sz="1200" dirty="0">
-                <a:latin typeface="Arial"/>
-                <a:cs typeface="Arial"/>
-              </a:rPr>
-              <a:t> </a:t>
-            </a:r>
-            <a:r>
-              <a:rPr lang="en-US" sz="1200" dirty="0" err="1">
-                <a:latin typeface="Arial"/>
-                <a:cs typeface="Arial"/>
-              </a:rPr>
-              <a:t>frutos</a:t>
-            </a:r>
-            <a:r>
-              <a:rPr lang="en-US" sz="1200" dirty="0">
-                <a:latin typeface="Arial"/>
-                <a:cs typeface="Arial"/>
-              </a:rPr>
-              <a:t>. A </a:t>
-            </a:r>
-            <a:r>
-              <a:rPr lang="en-US" sz="1200" dirty="0" err="1" smtClean="0">
-                <a:latin typeface="Arial"/>
-                <a:cs typeface="Arial"/>
-              </a:rPr>
-              <a:t>intera</a:t>
-            </a:r>
-            <a:r>
-              <a:rPr lang="en-US" sz="1200" dirty="0" err="1">
-                <a:latin typeface="Arial"/>
-                <a:cs typeface="Arial"/>
-              </a:rPr>
-              <a:t>ção</a:t>
-            </a:r>
-            <a:r>
-              <a:rPr lang="en-US" sz="1200" dirty="0" smtClean="0">
-                <a:latin typeface="Arial"/>
-                <a:cs typeface="Arial"/>
-              </a:rPr>
-              <a:t> </a:t>
-            </a:r>
-            <a:r>
-              <a:rPr lang="en-US" sz="1200" dirty="0">
-                <a:latin typeface="Arial"/>
-                <a:cs typeface="Arial"/>
-              </a:rPr>
-              <a:t>da </a:t>
-            </a:r>
-            <a:r>
-              <a:rPr lang="en-US" sz="1200" dirty="0" err="1">
-                <a:latin typeface="Arial"/>
-                <a:cs typeface="Arial"/>
-              </a:rPr>
-              <a:t>varinha</a:t>
-            </a:r>
-            <a:r>
-              <a:rPr lang="en-US" sz="1200" dirty="0">
-                <a:latin typeface="Arial"/>
-                <a:cs typeface="Arial"/>
-              </a:rPr>
-              <a:t> com o </a:t>
-            </a:r>
-            <a:r>
-              <a:rPr lang="en-US" sz="1200" dirty="0" err="1">
-                <a:latin typeface="Arial"/>
-                <a:cs typeface="Arial"/>
-              </a:rPr>
-              <a:t>jogo</a:t>
-            </a:r>
-            <a:r>
-              <a:rPr lang="en-US" sz="1200" dirty="0">
-                <a:latin typeface="Arial"/>
-                <a:cs typeface="Arial"/>
-              </a:rPr>
-              <a:t> </a:t>
-            </a:r>
-            <a:r>
-              <a:rPr lang="en-US" sz="1200" dirty="0" err="1" smtClean="0">
-                <a:latin typeface="Arial"/>
-                <a:cs typeface="Arial"/>
-              </a:rPr>
-              <a:t>ser</a:t>
-            </a:r>
-            <a:r>
-              <a:rPr lang="en-US" sz="1200" dirty="0" err="1" smtClean="0">
-                <a:latin typeface="Arial"/>
-                <a:cs typeface="Arial"/>
-              </a:rPr>
-              <a:t>á</a:t>
-            </a:r>
-            <a:r>
-              <a:rPr lang="en-US" sz="1200" dirty="0" smtClean="0">
-                <a:latin typeface="Arial"/>
-                <a:cs typeface="Arial"/>
-              </a:rPr>
-              <a:t> </a:t>
-            </a:r>
-            <a:r>
-              <a:rPr lang="en-US" sz="1200" dirty="0" err="1" smtClean="0">
-                <a:latin typeface="Arial"/>
-                <a:cs typeface="Arial"/>
-              </a:rPr>
-              <a:t>por</a:t>
-            </a:r>
-            <a:r>
-              <a:rPr lang="en-US" sz="1200" dirty="0" smtClean="0">
-                <a:latin typeface="Arial"/>
-                <a:cs typeface="Arial"/>
-              </a:rPr>
-              <a:t> </a:t>
-            </a:r>
-            <a:r>
-              <a:rPr lang="en-US" sz="1200" dirty="0" err="1" smtClean="0">
-                <a:latin typeface="Arial"/>
-                <a:cs typeface="Arial"/>
-              </a:rPr>
-              <a:t>interm</a:t>
-            </a:r>
-            <a:r>
-              <a:rPr lang="en-US" sz="1200" dirty="0" err="1" smtClean="0">
-                <a:latin typeface="Arial"/>
-                <a:cs typeface="Arial"/>
-              </a:rPr>
-              <a:t>é</a:t>
-            </a:r>
-            <a:r>
-              <a:rPr lang="en-US" sz="1200" dirty="0" err="1" smtClean="0">
-                <a:latin typeface="Arial"/>
-                <a:cs typeface="Arial"/>
-              </a:rPr>
-              <a:t>dio</a:t>
-            </a:r>
-            <a:r>
-              <a:rPr lang="en-US" sz="1200" dirty="0" smtClean="0">
-                <a:latin typeface="Arial"/>
-                <a:cs typeface="Arial"/>
-              </a:rPr>
-              <a:t> </a:t>
-            </a:r>
-            <a:r>
-              <a:rPr lang="en-US" sz="1200" dirty="0">
-                <a:latin typeface="Arial"/>
-                <a:cs typeface="Arial"/>
-              </a:rPr>
-              <a:t>do </a:t>
-            </a:r>
-            <a:r>
-              <a:rPr lang="en-US" sz="1200" dirty="0" err="1">
-                <a:latin typeface="Arial"/>
-                <a:cs typeface="Arial"/>
-              </a:rPr>
-              <a:t>reconhecimento</a:t>
-            </a:r>
-            <a:r>
-              <a:rPr lang="en-US" sz="1200" dirty="0">
-                <a:latin typeface="Arial"/>
-                <a:cs typeface="Arial"/>
-              </a:rPr>
-              <a:t> </a:t>
-            </a:r>
-            <a:r>
-              <a:rPr lang="en-US" sz="1200" dirty="0" err="1">
-                <a:latin typeface="Arial"/>
-                <a:cs typeface="Arial"/>
-              </a:rPr>
-              <a:t>dela</a:t>
-            </a:r>
-            <a:r>
-              <a:rPr lang="en-US" sz="1200" dirty="0">
-                <a:latin typeface="Arial"/>
-                <a:cs typeface="Arial"/>
-              </a:rPr>
-              <a:t> </a:t>
-            </a:r>
-            <a:r>
-              <a:rPr lang="en-US" sz="1200" dirty="0" err="1">
-                <a:latin typeface="Arial"/>
-                <a:cs typeface="Arial"/>
-              </a:rPr>
-              <a:t>nas</a:t>
-            </a:r>
-            <a:r>
-              <a:rPr lang="en-US" sz="1200" dirty="0">
-                <a:latin typeface="Arial"/>
-                <a:cs typeface="Arial"/>
-              </a:rPr>
-              <a:t> </a:t>
-            </a:r>
-            <a:r>
-              <a:rPr lang="en-US" sz="1200" dirty="0" err="1">
-                <a:latin typeface="Arial"/>
-                <a:cs typeface="Arial"/>
-              </a:rPr>
-              <a:t>imagens</a:t>
-            </a:r>
-            <a:r>
-              <a:rPr lang="en-US" sz="1200" dirty="0">
-                <a:latin typeface="Arial"/>
-                <a:cs typeface="Arial"/>
-              </a:rPr>
-              <a:t> </a:t>
-            </a:r>
-            <a:r>
-              <a:rPr lang="en-US" sz="1200" dirty="0" err="1">
-                <a:latin typeface="Arial"/>
-                <a:cs typeface="Arial"/>
-              </a:rPr>
-              <a:t>capturadas</a:t>
-            </a:r>
-            <a:r>
-              <a:rPr lang="en-US" sz="1200" dirty="0">
-                <a:latin typeface="Arial"/>
-                <a:cs typeface="Arial"/>
-              </a:rPr>
-              <a:t> </a:t>
-            </a:r>
-            <a:r>
-              <a:rPr lang="en-US" sz="1200" dirty="0" err="1">
-                <a:latin typeface="Arial"/>
-                <a:cs typeface="Arial"/>
-              </a:rPr>
-              <a:t>pela</a:t>
-            </a:r>
-            <a:r>
-              <a:rPr lang="en-US" sz="1200" dirty="0">
-                <a:latin typeface="Arial"/>
-                <a:cs typeface="Arial"/>
-              </a:rPr>
-              <a:t> </a:t>
-            </a:r>
-            <a:r>
-              <a:rPr lang="en-US" sz="1200" dirty="0" err="1" smtClean="0">
-                <a:latin typeface="Arial"/>
-                <a:cs typeface="Arial"/>
-              </a:rPr>
-              <a:t>c</a:t>
-            </a:r>
-            <a:r>
-              <a:rPr lang="en-US" sz="1200" dirty="0" err="1" smtClean="0">
-                <a:latin typeface="Arial"/>
-                <a:cs typeface="Arial"/>
-              </a:rPr>
-              <a:t>â</a:t>
-            </a:r>
-            <a:r>
-              <a:rPr lang="en-US" sz="1200" dirty="0" err="1" smtClean="0">
-                <a:latin typeface="Arial"/>
-                <a:cs typeface="Arial"/>
-              </a:rPr>
-              <a:t>mera</a:t>
-            </a:r>
-            <a:r>
-              <a:rPr lang="en-US" sz="1200" dirty="0" smtClean="0">
-                <a:latin typeface="Arial"/>
-                <a:cs typeface="Arial"/>
-              </a:rPr>
-              <a:t> </a:t>
-            </a:r>
-            <a:r>
-              <a:rPr lang="en-US" sz="1200" dirty="0">
-                <a:latin typeface="Arial"/>
-                <a:cs typeface="Arial"/>
-              </a:rPr>
-              <a:t>de </a:t>
-            </a:r>
-            <a:r>
-              <a:rPr lang="en-US" sz="1200" dirty="0" smtClean="0">
-                <a:latin typeface="Arial"/>
-                <a:cs typeface="Arial"/>
-              </a:rPr>
-              <a:t>vid</a:t>
-            </a:r>
-          </a:p>
-          <a:p>
-            <a:pPr marL="171450" indent="-171450" algn="just">
-              <a:buFontTx/>
-              <a:buChar char="•"/>
-            </a:pPr>
-            <a:r>
-              <a:rPr lang="en-US" sz="1200" dirty="0">
-                <a:latin typeface="Arial"/>
-                <a:cs typeface="Arial"/>
-              </a:rPr>
-              <a:t>.</a:t>
-            </a:r>
-            <a:r>
-              <a:rPr lang="en-US" sz="1200" dirty="0" err="1" smtClean="0">
-                <a:latin typeface="Arial"/>
-                <a:cs typeface="Arial"/>
-              </a:rPr>
-              <a:t>eo</a:t>
-            </a:r>
-            <a:r>
-              <a:rPr lang="en-US" sz="1200" dirty="0" smtClean="0">
-                <a:latin typeface="Arial"/>
-                <a:cs typeface="Arial"/>
-              </a:rPr>
-              <a:t> </a:t>
-            </a:r>
-            <a:r>
-              <a:rPr lang="en-US" sz="1200" dirty="0" err="1" smtClean="0">
-                <a:latin typeface="Arial"/>
-                <a:cs typeface="Arial"/>
-              </a:rPr>
-              <a:t>instalada</a:t>
-            </a:r>
-            <a:r>
-              <a:rPr lang="en-US" sz="1200" dirty="0" smtClean="0">
-                <a:latin typeface="Arial"/>
-                <a:cs typeface="Arial"/>
-              </a:rPr>
-              <a:t> </a:t>
-            </a:r>
-            <a:r>
-              <a:rPr lang="en-US" sz="1200" dirty="0">
-                <a:latin typeface="Arial"/>
-                <a:cs typeface="Arial"/>
-              </a:rPr>
-              <a:t>no </a:t>
-            </a:r>
-            <a:r>
-              <a:rPr lang="en-US" sz="1200" dirty="0" err="1">
-                <a:latin typeface="Arial"/>
-                <a:cs typeface="Arial"/>
-              </a:rPr>
-              <a:t>computador</a:t>
-            </a:r>
-            <a:r>
-              <a:rPr lang="en-US" sz="1200" dirty="0">
-                <a:latin typeface="Arial"/>
-                <a:cs typeface="Arial"/>
-              </a:rPr>
-              <a:t>, </a:t>
-            </a:r>
-            <a:r>
-              <a:rPr lang="en-US" sz="1200" dirty="0" err="1">
-                <a:latin typeface="Arial"/>
-                <a:cs typeface="Arial"/>
-              </a:rPr>
-              <a:t>processadas</a:t>
-            </a:r>
-            <a:r>
-              <a:rPr lang="en-US" sz="1200" dirty="0">
-                <a:latin typeface="Arial"/>
-                <a:cs typeface="Arial"/>
-              </a:rPr>
-              <a:t> </a:t>
-            </a:r>
-            <a:r>
-              <a:rPr lang="en-US" sz="1200" dirty="0" err="1">
-                <a:latin typeface="Arial"/>
-                <a:cs typeface="Arial"/>
-              </a:rPr>
-              <a:t>por</a:t>
-            </a:r>
-            <a:r>
-              <a:rPr lang="en-US" sz="1200" dirty="0">
-                <a:latin typeface="Arial"/>
-                <a:cs typeface="Arial"/>
-              </a:rPr>
-              <a:t> </a:t>
-            </a:r>
-            <a:r>
-              <a:rPr lang="en-US" sz="1200" dirty="0" err="1">
-                <a:latin typeface="Arial"/>
-                <a:cs typeface="Arial"/>
-              </a:rPr>
-              <a:t>algoritmos</a:t>
-            </a:r>
-            <a:r>
-              <a:rPr lang="en-US" sz="1200" dirty="0">
-                <a:latin typeface="Arial"/>
-                <a:cs typeface="Arial"/>
-              </a:rPr>
-              <a:t> </a:t>
-            </a:r>
-            <a:r>
-              <a:rPr lang="en-US" sz="1200" dirty="0" err="1">
-                <a:latin typeface="Arial"/>
-                <a:cs typeface="Arial"/>
-              </a:rPr>
-              <a:t>baseados</a:t>
-            </a:r>
-            <a:r>
-              <a:rPr lang="en-US" sz="1200" dirty="0">
-                <a:latin typeface="Arial"/>
-                <a:cs typeface="Arial"/>
-              </a:rPr>
-              <a:t> </a:t>
-            </a:r>
-            <a:r>
-              <a:rPr lang="en-US" sz="1200" dirty="0" err="1">
-                <a:latin typeface="Arial"/>
-                <a:cs typeface="Arial"/>
-              </a:rPr>
-              <a:t>em</a:t>
-            </a:r>
-            <a:r>
-              <a:rPr lang="en-US" sz="1200" dirty="0">
-                <a:latin typeface="Arial"/>
-                <a:cs typeface="Arial"/>
-              </a:rPr>
-              <a:t> </a:t>
-            </a:r>
-            <a:r>
-              <a:rPr lang="en-US" sz="1200" dirty="0" err="1">
-                <a:latin typeface="Arial"/>
-                <a:cs typeface="Arial"/>
-              </a:rPr>
-              <a:t>levantamento</a:t>
-            </a:r>
-            <a:r>
-              <a:rPr lang="en-US" sz="1200" dirty="0">
-                <a:latin typeface="Arial"/>
-                <a:cs typeface="Arial"/>
-              </a:rPr>
-              <a:t> </a:t>
-            </a:r>
-            <a:r>
-              <a:rPr lang="en-US" sz="1200" dirty="0" err="1" smtClean="0">
-                <a:latin typeface="Arial"/>
-                <a:cs typeface="Arial"/>
-              </a:rPr>
-              <a:t>bibliogr</a:t>
-            </a:r>
-            <a:r>
-              <a:rPr lang="en-US" sz="1200" dirty="0" err="1" smtClean="0">
-                <a:latin typeface="Arial"/>
-                <a:cs typeface="Arial"/>
-              </a:rPr>
-              <a:t>á</a:t>
-            </a:r>
-            <a:r>
-              <a:rPr lang="en-US" sz="1200" dirty="0" err="1" smtClean="0">
-                <a:latin typeface="Arial"/>
-                <a:cs typeface="Arial"/>
-              </a:rPr>
-              <a:t>fico</a:t>
-            </a:r>
-            <a:r>
-              <a:rPr lang="en-US" sz="1200" dirty="0">
-                <a:latin typeface="Arial"/>
-                <a:cs typeface="Arial"/>
-              </a:rPr>
-              <a:t>. </a:t>
-            </a:r>
+            <a:pPr algn="just"/>
+            <a:r>
+              <a:rPr lang="pt-BR" sz="1200" dirty="0" smtClean="0">
+                <a:latin typeface="Arial"/>
+                <a:cs typeface="Arial"/>
+              </a:rPr>
+              <a:t>O projeto foi desenvolvido para a disciplina Projeto Integrador III: Sistema Autônomo, com o objetivo de aplicar técnicas e implementar algoritmos de visão computacional em um jogo de tema livre. Para tal, criamos um jogo digital em 2D, desenvolvido em linguagem C, onde o jogador deve cuidar de uma árvore em seu processo de crescimento, com o objetivo principal de colher os melhores frutos. Para isso, o jogador terá como ferramenta de interação uma varinha mágica, que permitirá aplicar poderes que interajam com os elementos dentro do jogo, contribuindo com o crescimento da árvore e impedindo que pragas ataquem os frutos. A interação da varinha com o jogo será por intermédio do reconhecimento dela nas imagens capturadas pela câmera de vídeo instalada no computador, processadas por algoritmos baseados em levantamento bibliográfico. </a:t>
+            </a:r>
+            <a:endParaRPr lang="pt-BR" sz="1200" dirty="0">
+              <a:latin typeface="Arial"/>
+              <a:cs typeface="Arial"/>
+            </a:endParaRPr>
           </a:p>
         </p:txBody>
       </p:sp>
@@ -6351,7 +4841,7 @@
         <p:spPr>
           <a:xfrm>
             <a:off x="63476" y="6472808"/>
-            <a:ext cx="4665116" cy="2492990"/>
+            <a:ext cx="4665116" cy="2308324"/>
           </a:xfrm>
           <a:prstGeom prst="rect">
             <a:avLst/>
@@ -6366,1145 +4856,26 @@
           <a:p>
             <a:pPr algn="just"/>
             <a:r>
-              <a:rPr lang="en-US" sz="1200" dirty="0" smtClean="0">
-                <a:latin typeface="Arial"/>
-                <a:cs typeface="Arial"/>
-              </a:rPr>
-              <a:t>O Jogo </a:t>
-            </a:r>
-            <a:r>
-              <a:rPr lang="en-US" sz="1200" dirty="0" err="1" smtClean="0">
-                <a:latin typeface="Arial"/>
-                <a:cs typeface="Arial"/>
-              </a:rPr>
-              <a:t>consiste</a:t>
-            </a:r>
-            <a:r>
-              <a:rPr lang="en-US" sz="1200" dirty="0" smtClean="0">
-                <a:latin typeface="Arial"/>
-                <a:cs typeface="Arial"/>
-              </a:rPr>
-              <a:t> </a:t>
-            </a:r>
-            <a:r>
-              <a:rPr lang="en-US" sz="1200" dirty="0" err="1" smtClean="0">
-                <a:latin typeface="Arial"/>
-                <a:cs typeface="Arial"/>
-              </a:rPr>
-              <a:t>em</a:t>
-            </a:r>
-            <a:r>
-              <a:rPr lang="en-US" sz="1200" dirty="0" smtClean="0">
-                <a:latin typeface="Arial"/>
-                <a:cs typeface="Arial"/>
-              </a:rPr>
-              <a:t> </a:t>
-            </a:r>
-            <a:r>
-              <a:rPr lang="en-US" sz="1200" dirty="0" err="1" smtClean="0">
-                <a:latin typeface="Arial"/>
-                <a:cs typeface="Arial"/>
-              </a:rPr>
-              <a:t>abordar</a:t>
-            </a:r>
-            <a:r>
-              <a:rPr lang="en-US" sz="1200" dirty="0" smtClean="0">
-                <a:latin typeface="Arial"/>
-                <a:cs typeface="Arial"/>
-              </a:rPr>
-              <a:t> a </a:t>
-            </a:r>
-            <a:r>
-              <a:rPr lang="en-US" sz="1200" dirty="0" err="1" smtClean="0">
-                <a:latin typeface="Arial"/>
-                <a:cs typeface="Arial"/>
-              </a:rPr>
-              <a:t>questão</a:t>
-            </a:r>
-            <a:r>
-              <a:rPr lang="en-US" sz="1200" dirty="0" smtClean="0">
-                <a:latin typeface="Arial"/>
-                <a:cs typeface="Arial"/>
-              </a:rPr>
-              <a:t> </a:t>
-            </a:r>
-            <a:r>
-              <a:rPr lang="en-US" sz="1200" dirty="0" err="1" smtClean="0">
-                <a:latin typeface="Arial"/>
-                <a:cs typeface="Arial"/>
-              </a:rPr>
-              <a:t>sobre</a:t>
-            </a:r>
-            <a:r>
-              <a:rPr lang="en-US" sz="1200" dirty="0" smtClean="0">
-                <a:latin typeface="Arial"/>
-                <a:cs typeface="Arial"/>
-              </a:rPr>
-              <a:t> </a:t>
-            </a:r>
-            <a:r>
-              <a:rPr lang="en-US" sz="1200" dirty="0" err="1" smtClean="0">
-                <a:latin typeface="Arial"/>
-                <a:cs typeface="Arial"/>
-              </a:rPr>
-              <a:t>educação</a:t>
-            </a:r>
-            <a:r>
-              <a:rPr lang="en-US" sz="1200" dirty="0" smtClean="0">
-                <a:latin typeface="Arial"/>
-                <a:cs typeface="Arial"/>
-              </a:rPr>
-              <a:t> </a:t>
-            </a:r>
-            <a:r>
-              <a:rPr lang="en-US" sz="1200" dirty="0" err="1" smtClean="0">
-                <a:latin typeface="Arial"/>
-                <a:cs typeface="Arial"/>
-              </a:rPr>
-              <a:t>ambiental</a:t>
-            </a:r>
-            <a:r>
-              <a:rPr lang="en-US" sz="1200" dirty="0" smtClean="0">
-                <a:latin typeface="Arial"/>
-                <a:cs typeface="Arial"/>
-              </a:rPr>
-              <a:t>. O </a:t>
-            </a:r>
-            <a:r>
-              <a:rPr lang="en-US" sz="1200" dirty="0" err="1" smtClean="0">
-                <a:latin typeface="Arial"/>
-                <a:cs typeface="Arial"/>
-              </a:rPr>
-              <a:t>jogador</a:t>
-            </a:r>
-            <a:r>
-              <a:rPr lang="en-US" sz="1200" dirty="0" smtClean="0">
-                <a:latin typeface="Arial"/>
-                <a:cs typeface="Arial"/>
-              </a:rPr>
-              <a:t> tem </a:t>
-            </a:r>
-            <a:r>
-              <a:rPr lang="en-US" sz="1200" dirty="0" err="1" smtClean="0">
-                <a:latin typeface="Arial"/>
-                <a:cs typeface="Arial"/>
-              </a:rPr>
-              <a:t>tr</a:t>
-            </a:r>
-            <a:r>
-              <a:rPr lang="en-US" sz="1200" dirty="0" err="1" smtClean="0">
-                <a:latin typeface="Arial"/>
-                <a:cs typeface="Arial"/>
-              </a:rPr>
-              <a:t>ê</a:t>
-            </a:r>
-            <a:r>
-              <a:rPr lang="en-US" sz="1200" dirty="0" err="1" smtClean="0">
-                <a:latin typeface="Arial"/>
-                <a:cs typeface="Arial"/>
-              </a:rPr>
-              <a:t>s</a:t>
-            </a:r>
-            <a:r>
-              <a:rPr lang="en-US" sz="1200" dirty="0" smtClean="0">
-                <a:latin typeface="Arial"/>
-                <a:cs typeface="Arial"/>
-              </a:rPr>
-              <a:t> </a:t>
-            </a:r>
-            <a:r>
-              <a:rPr lang="en-US" sz="1200" dirty="0" err="1" smtClean="0">
-                <a:latin typeface="Arial"/>
-                <a:cs typeface="Arial"/>
-              </a:rPr>
-              <a:t>minutos</a:t>
-            </a:r>
-            <a:r>
-              <a:rPr lang="en-US" sz="1200" dirty="0" smtClean="0">
-                <a:latin typeface="Arial"/>
-                <a:cs typeface="Arial"/>
-              </a:rPr>
-              <a:t> </a:t>
-            </a:r>
-            <a:r>
-              <a:rPr lang="en-US" sz="1200" dirty="0" err="1" smtClean="0">
-                <a:latin typeface="Arial"/>
-                <a:cs typeface="Arial"/>
-              </a:rPr>
-              <a:t>para</a:t>
-            </a:r>
-            <a:r>
-              <a:rPr lang="en-US" sz="1200" dirty="0" smtClean="0">
-                <a:latin typeface="Arial"/>
-                <a:cs typeface="Arial"/>
-              </a:rPr>
-              <a:t> </a:t>
-            </a:r>
-            <a:r>
-              <a:rPr lang="en-US" sz="1200" dirty="0" err="1" smtClean="0">
-                <a:latin typeface="Arial"/>
-                <a:cs typeface="Arial"/>
-              </a:rPr>
-              <a:t>cuidar</a:t>
-            </a:r>
-            <a:r>
-              <a:rPr lang="en-US" sz="1200" dirty="0" smtClean="0">
-                <a:latin typeface="Arial"/>
-                <a:cs typeface="Arial"/>
-              </a:rPr>
-              <a:t> de </a:t>
-            </a:r>
-            <a:r>
-              <a:rPr lang="en-US" sz="1200" dirty="0" err="1" smtClean="0">
-                <a:latin typeface="Arial"/>
-                <a:cs typeface="Arial"/>
-              </a:rPr>
-              <a:t>uma</a:t>
-            </a:r>
-            <a:r>
-              <a:rPr lang="en-US" sz="1200" dirty="0" smtClean="0">
-                <a:latin typeface="Arial"/>
-                <a:cs typeface="Arial"/>
-              </a:rPr>
-              <a:t> </a:t>
-            </a:r>
-            <a:r>
-              <a:rPr lang="en-US" sz="1200" dirty="0" err="1" smtClean="0">
-                <a:latin typeface="Arial"/>
-                <a:cs typeface="Arial"/>
-              </a:rPr>
-              <a:t>á</a:t>
-            </a:r>
-            <a:r>
-              <a:rPr lang="en-US" sz="1200" dirty="0" err="1" smtClean="0">
-                <a:latin typeface="Arial"/>
-                <a:cs typeface="Arial"/>
-              </a:rPr>
-              <a:t>rvore</a:t>
-            </a:r>
-            <a:r>
-              <a:rPr lang="en-US" sz="1200" dirty="0" smtClean="0">
-                <a:latin typeface="Arial"/>
-                <a:cs typeface="Arial"/>
-              </a:rPr>
-              <a:t>, </a:t>
-            </a:r>
-            <a:r>
-              <a:rPr lang="en-US" sz="1200" dirty="0" err="1" smtClean="0">
-                <a:latin typeface="Arial"/>
-                <a:cs typeface="Arial"/>
-              </a:rPr>
-              <a:t>desde</a:t>
-            </a:r>
-            <a:r>
-              <a:rPr lang="en-US" sz="1200" dirty="0" smtClean="0">
-                <a:latin typeface="Arial"/>
-                <a:cs typeface="Arial"/>
-              </a:rPr>
-              <a:t> </a:t>
-            </a:r>
-            <a:r>
-              <a:rPr lang="en-US" sz="1200" dirty="0" err="1" smtClean="0">
-                <a:latin typeface="Arial"/>
-                <a:cs typeface="Arial"/>
-              </a:rPr>
-              <a:t>seu</a:t>
-            </a:r>
-            <a:r>
-              <a:rPr lang="en-US" sz="1200" dirty="0" smtClean="0">
-                <a:latin typeface="Arial"/>
-                <a:cs typeface="Arial"/>
-              </a:rPr>
-              <a:t> </a:t>
-            </a:r>
-            <a:r>
-              <a:rPr lang="en-US" sz="1200" dirty="0" err="1" smtClean="0">
-                <a:latin typeface="Arial"/>
-                <a:cs typeface="Arial"/>
-              </a:rPr>
-              <a:t>crescimento</a:t>
-            </a:r>
-            <a:r>
-              <a:rPr lang="en-US" sz="1200" dirty="0" smtClean="0">
-                <a:latin typeface="Arial"/>
-                <a:cs typeface="Arial"/>
-              </a:rPr>
-              <a:t> </a:t>
-            </a:r>
-            <a:r>
-              <a:rPr lang="en-US" sz="1200" dirty="0" err="1" smtClean="0">
-                <a:latin typeface="Arial"/>
-                <a:cs typeface="Arial"/>
-              </a:rPr>
-              <a:t>at</a:t>
-            </a:r>
-            <a:r>
-              <a:rPr lang="en-US" sz="1200" dirty="0" err="1" smtClean="0">
-                <a:latin typeface="Arial"/>
-                <a:cs typeface="Arial"/>
-              </a:rPr>
-              <a:t>é</a:t>
-            </a:r>
-            <a:r>
-              <a:rPr lang="en-US" sz="1200" dirty="0" smtClean="0">
-                <a:latin typeface="Arial"/>
-                <a:cs typeface="Arial"/>
-              </a:rPr>
-              <a:t> </a:t>
-            </a:r>
-            <a:r>
-              <a:rPr lang="en-US" sz="1200" dirty="0" smtClean="0">
-                <a:latin typeface="Arial"/>
-                <a:cs typeface="Arial"/>
-              </a:rPr>
-              <a:t>o </a:t>
-            </a:r>
-            <a:r>
-              <a:rPr lang="en-US" sz="1200" dirty="0" err="1" smtClean="0">
-                <a:latin typeface="Arial"/>
-                <a:cs typeface="Arial"/>
-              </a:rPr>
-              <a:t>amadurecimento</a:t>
-            </a:r>
-            <a:r>
-              <a:rPr lang="en-US" sz="1200" dirty="0" smtClean="0">
-                <a:latin typeface="Arial"/>
-                <a:cs typeface="Arial"/>
-              </a:rPr>
-              <a:t> e </a:t>
-            </a:r>
-            <a:r>
-              <a:rPr lang="en-US" sz="1200" dirty="0" err="1" smtClean="0">
-                <a:latin typeface="Arial"/>
-                <a:cs typeface="Arial"/>
-              </a:rPr>
-              <a:t>colhimento</a:t>
-            </a:r>
-            <a:r>
-              <a:rPr lang="en-US" sz="1200" dirty="0" smtClean="0">
-                <a:latin typeface="Arial"/>
-                <a:cs typeface="Arial"/>
-              </a:rPr>
-              <a:t> dos </a:t>
-            </a:r>
-            <a:r>
-              <a:rPr lang="en-US" sz="1200" dirty="0" err="1" smtClean="0">
-                <a:latin typeface="Arial"/>
-                <a:cs typeface="Arial"/>
-              </a:rPr>
-              <a:t>frutos</a:t>
-            </a:r>
-            <a:r>
-              <a:rPr lang="en-US" sz="1200" dirty="0" smtClean="0">
-                <a:latin typeface="Arial"/>
-                <a:cs typeface="Arial"/>
-              </a:rPr>
-              <a:t>. Durante a </a:t>
-            </a:r>
-            <a:r>
-              <a:rPr lang="en-US" sz="1200" dirty="0" err="1" smtClean="0">
-                <a:latin typeface="Arial"/>
-                <a:cs typeface="Arial"/>
-              </a:rPr>
-              <a:t>partida</a:t>
-            </a:r>
-            <a:r>
-              <a:rPr lang="en-US" sz="1200" dirty="0" smtClean="0">
-                <a:latin typeface="Arial"/>
-                <a:cs typeface="Arial"/>
-              </a:rPr>
-              <a:t>, o </a:t>
-            </a:r>
-            <a:r>
-              <a:rPr lang="en-US" sz="1200" dirty="0" err="1" smtClean="0">
-                <a:latin typeface="Arial"/>
-                <a:cs typeface="Arial"/>
-              </a:rPr>
-              <a:t>jogador</a:t>
-            </a:r>
-            <a:r>
-              <a:rPr lang="en-US" sz="1200" dirty="0" smtClean="0">
-                <a:latin typeface="Arial"/>
-                <a:cs typeface="Arial"/>
-              </a:rPr>
-              <a:t> </a:t>
-            </a:r>
-            <a:r>
-              <a:rPr lang="en-US" sz="1200" dirty="0" err="1" smtClean="0">
-                <a:latin typeface="Arial"/>
-                <a:cs typeface="Arial"/>
-              </a:rPr>
-              <a:t>dever</a:t>
-            </a:r>
-            <a:r>
-              <a:rPr lang="en-US" sz="1200" dirty="0" err="1" smtClean="0">
-                <a:latin typeface="Arial"/>
-                <a:cs typeface="Arial"/>
-              </a:rPr>
-              <a:t>á</a:t>
-            </a:r>
-            <a:r>
-              <a:rPr lang="en-US" sz="1200" dirty="0" smtClean="0">
-                <a:latin typeface="Arial"/>
-                <a:cs typeface="Arial"/>
-              </a:rPr>
-              <a:t> </a:t>
-            </a:r>
-            <a:r>
-              <a:rPr lang="en-US" sz="1200" dirty="0" err="1" smtClean="0">
-                <a:latin typeface="Arial"/>
-                <a:cs typeface="Arial"/>
-              </a:rPr>
-              <a:t>estar</a:t>
-            </a:r>
-            <a:r>
-              <a:rPr lang="en-US" sz="1200" dirty="0" smtClean="0">
-                <a:latin typeface="Arial"/>
-                <a:cs typeface="Arial"/>
-              </a:rPr>
-              <a:t> </a:t>
-            </a:r>
-            <a:r>
-              <a:rPr lang="en-US" sz="1200" dirty="0" err="1" smtClean="0">
-                <a:latin typeface="Arial"/>
-                <a:cs typeface="Arial"/>
-              </a:rPr>
-              <a:t>sempre</a:t>
-            </a:r>
-            <a:r>
-              <a:rPr lang="en-US" sz="1200" dirty="0" smtClean="0">
-                <a:latin typeface="Arial"/>
-                <a:cs typeface="Arial"/>
-              </a:rPr>
-              <a:t> </a:t>
-            </a:r>
-            <a:r>
-              <a:rPr lang="en-US" sz="1200" dirty="0" err="1" smtClean="0">
-                <a:latin typeface="Arial"/>
-                <a:cs typeface="Arial"/>
-              </a:rPr>
-              <a:t>atento</a:t>
-            </a:r>
-            <a:r>
-              <a:rPr lang="en-US" sz="1200" dirty="0" smtClean="0">
-                <a:latin typeface="Arial"/>
-                <a:cs typeface="Arial"/>
-              </a:rPr>
-              <a:t> </a:t>
-            </a:r>
-            <a:r>
-              <a:rPr lang="en-US" sz="1200" dirty="0" err="1" smtClean="0">
-                <a:latin typeface="Arial"/>
-                <a:cs typeface="Arial"/>
-              </a:rPr>
-              <a:t>à</a:t>
-            </a:r>
-            <a:r>
-              <a:rPr lang="en-US" sz="1200" dirty="0" smtClean="0">
-                <a:latin typeface="Arial"/>
-                <a:cs typeface="Arial"/>
-              </a:rPr>
-              <a:t> </a:t>
-            </a:r>
-            <a:r>
-              <a:rPr lang="en-US" sz="1200" dirty="0" err="1" smtClean="0">
-                <a:latin typeface="Arial"/>
-                <a:cs typeface="Arial"/>
-              </a:rPr>
-              <a:t>falta</a:t>
-            </a:r>
-            <a:r>
-              <a:rPr lang="en-US" sz="1200" dirty="0" smtClean="0">
-                <a:latin typeface="Arial"/>
-                <a:cs typeface="Arial"/>
-              </a:rPr>
-              <a:t> de </a:t>
-            </a:r>
-            <a:r>
-              <a:rPr lang="en-US" sz="1200" dirty="0" err="1" smtClean="0">
-                <a:latin typeface="Arial"/>
-                <a:cs typeface="Arial"/>
-              </a:rPr>
-              <a:t>á</a:t>
-            </a:r>
-            <a:r>
-              <a:rPr lang="en-US" sz="1200" dirty="0" err="1" smtClean="0">
-                <a:latin typeface="Arial"/>
-                <a:cs typeface="Arial"/>
-              </a:rPr>
-              <a:t>gua</a:t>
-            </a:r>
-            <a:r>
-              <a:rPr lang="en-US" sz="1200" dirty="0" smtClean="0">
-                <a:latin typeface="Arial"/>
-                <a:cs typeface="Arial"/>
-              </a:rPr>
-              <a:t> e </a:t>
-            </a:r>
-            <a:r>
-              <a:rPr lang="en-US" sz="1200" dirty="0" err="1" smtClean="0">
-                <a:latin typeface="Arial"/>
-                <a:cs typeface="Arial"/>
-              </a:rPr>
-              <a:t>pragas</a:t>
-            </a:r>
-            <a:r>
-              <a:rPr lang="en-US" sz="1200" dirty="0" smtClean="0">
-                <a:latin typeface="Arial"/>
-                <a:cs typeface="Arial"/>
-              </a:rPr>
-              <a:t> </a:t>
-            </a:r>
-            <a:r>
-              <a:rPr lang="en-US" sz="1200" dirty="0" err="1" smtClean="0">
-                <a:latin typeface="Arial"/>
-                <a:cs typeface="Arial"/>
-              </a:rPr>
-              <a:t>que</a:t>
-            </a:r>
-            <a:r>
-              <a:rPr lang="en-US" sz="1200" dirty="0" smtClean="0">
-                <a:latin typeface="Arial"/>
-                <a:cs typeface="Arial"/>
-              </a:rPr>
-              <a:t> </a:t>
-            </a:r>
-            <a:r>
-              <a:rPr lang="en-US" sz="1200" dirty="0" err="1" smtClean="0">
-                <a:latin typeface="Arial"/>
-                <a:cs typeface="Arial"/>
-              </a:rPr>
-              <a:t>surgir</a:t>
-            </a:r>
-            <a:r>
-              <a:rPr lang="en-US" sz="1200" dirty="0" err="1" smtClean="0">
-                <a:latin typeface="Arial"/>
-                <a:cs typeface="Arial"/>
-              </a:rPr>
-              <a:t>ão</a:t>
-            </a:r>
-            <a:r>
-              <a:rPr lang="en-US" sz="1200" dirty="0" smtClean="0">
-                <a:latin typeface="Arial"/>
-                <a:cs typeface="Arial"/>
-              </a:rPr>
-              <a:t> </a:t>
-            </a:r>
-            <a:r>
-              <a:rPr lang="en-US" sz="1200" dirty="0" err="1" smtClean="0">
-                <a:latin typeface="Arial"/>
-                <a:cs typeface="Arial"/>
-              </a:rPr>
-              <a:t>para</a:t>
-            </a:r>
-            <a:r>
-              <a:rPr lang="en-US" sz="1200" dirty="0" smtClean="0">
-                <a:latin typeface="Arial"/>
-                <a:cs typeface="Arial"/>
-              </a:rPr>
-              <a:t> comer </a:t>
-            </a:r>
-            <a:r>
-              <a:rPr lang="en-US" sz="1200" dirty="0" err="1" smtClean="0">
-                <a:latin typeface="Arial"/>
-                <a:cs typeface="Arial"/>
-              </a:rPr>
-              <a:t>os</a:t>
-            </a:r>
-            <a:r>
-              <a:rPr lang="en-US" sz="1200" dirty="0" smtClean="0">
-                <a:latin typeface="Arial"/>
-                <a:cs typeface="Arial"/>
-              </a:rPr>
-              <a:t> </a:t>
-            </a:r>
-            <a:r>
-              <a:rPr lang="en-US" sz="1200" dirty="0" err="1" smtClean="0">
-                <a:latin typeface="Arial"/>
-                <a:cs typeface="Arial"/>
-              </a:rPr>
-              <a:t>frutos</a:t>
-            </a:r>
-            <a:r>
-              <a:rPr lang="en-US" sz="1200" dirty="0" smtClean="0">
-                <a:latin typeface="Arial"/>
-                <a:cs typeface="Arial"/>
-              </a:rPr>
-              <a:t>.</a:t>
+              <a:rPr lang="pt-BR" sz="1200" dirty="0" smtClean="0">
+                <a:latin typeface="Arial"/>
+                <a:cs typeface="Arial"/>
+              </a:rPr>
+              <a:t>O Jogo consiste em abordar a questão sobre educação ambiental. O jogador tem três minutos para cuidar de uma árvore, desde seu crescimento até o amadurecimento e colhimento dos frutos. Durante a partida, o jogador deverá estar sempre atento à falta de água e pragas que surgirão para comer os frutos.</a:t>
             </a:r>
           </a:p>
           <a:p>
             <a:pPr algn="just"/>
             <a:r>
-              <a:rPr lang="en-US" sz="1200" dirty="0" smtClean="0">
-                <a:latin typeface="Arial"/>
-                <a:cs typeface="Arial"/>
-              </a:rPr>
-              <a:t>A </a:t>
-            </a:r>
-            <a:r>
-              <a:rPr lang="en-US" sz="1200" dirty="0" err="1">
-                <a:latin typeface="Arial"/>
-                <a:cs typeface="Arial"/>
-              </a:rPr>
-              <a:t>interação</a:t>
-            </a:r>
-            <a:r>
-              <a:rPr lang="en-US" sz="1200" dirty="0">
-                <a:latin typeface="Arial"/>
-                <a:cs typeface="Arial"/>
-              </a:rPr>
-              <a:t> </a:t>
-            </a:r>
-            <a:r>
-              <a:rPr lang="en-US" sz="1200" dirty="0" smtClean="0">
-                <a:latin typeface="Arial"/>
-                <a:cs typeface="Arial"/>
-              </a:rPr>
-              <a:t>do </a:t>
-            </a:r>
-            <a:r>
-              <a:rPr lang="en-US" sz="1200" dirty="0" err="1" smtClean="0">
-                <a:latin typeface="Arial"/>
-                <a:cs typeface="Arial"/>
-              </a:rPr>
-              <a:t>jogador</a:t>
-            </a:r>
-            <a:r>
-              <a:rPr lang="en-US" sz="1200" dirty="0" smtClean="0">
-                <a:latin typeface="Arial"/>
-                <a:cs typeface="Arial"/>
-              </a:rPr>
-              <a:t> com o </a:t>
-            </a:r>
-            <a:r>
-              <a:rPr lang="en-US" sz="1200" dirty="0" err="1" smtClean="0">
-                <a:latin typeface="Arial"/>
-                <a:cs typeface="Arial"/>
-              </a:rPr>
-              <a:t>jogo</a:t>
-            </a:r>
-            <a:r>
-              <a:rPr lang="en-US" sz="1200" dirty="0" smtClean="0">
-                <a:latin typeface="Arial"/>
-                <a:cs typeface="Arial"/>
-              </a:rPr>
-              <a:t> </a:t>
-            </a:r>
-            <a:r>
-              <a:rPr lang="en-US" sz="1200" dirty="0" err="1" smtClean="0">
-                <a:latin typeface="Arial"/>
-                <a:cs typeface="Arial"/>
-              </a:rPr>
-              <a:t>deverá</a:t>
-            </a:r>
-            <a:r>
-              <a:rPr lang="en-US" sz="1200" dirty="0" smtClean="0">
-                <a:latin typeface="Arial"/>
-                <a:cs typeface="Arial"/>
-              </a:rPr>
-              <a:t> </a:t>
-            </a:r>
-            <a:r>
-              <a:rPr lang="en-US" sz="1200" dirty="0" err="1">
-                <a:latin typeface="Arial"/>
-                <a:cs typeface="Arial"/>
-              </a:rPr>
-              <a:t>ocorrer</a:t>
-            </a:r>
-            <a:r>
-              <a:rPr lang="en-US" sz="1200" dirty="0">
-                <a:latin typeface="Arial"/>
-                <a:cs typeface="Arial"/>
-              </a:rPr>
-              <a:t> </a:t>
-            </a:r>
-            <a:r>
-              <a:rPr lang="en-US" sz="1200" dirty="0" err="1">
-                <a:latin typeface="Arial"/>
-                <a:cs typeface="Arial"/>
-              </a:rPr>
-              <a:t>exclusivamente</a:t>
-            </a:r>
-            <a:r>
-              <a:rPr lang="en-US" sz="1200" dirty="0">
-                <a:latin typeface="Arial"/>
-                <a:cs typeface="Arial"/>
-              </a:rPr>
-              <a:t> </a:t>
-            </a:r>
-            <a:r>
-              <a:rPr lang="en-US" sz="1200" dirty="0" err="1">
-                <a:latin typeface="Arial"/>
-                <a:cs typeface="Arial"/>
-              </a:rPr>
-              <a:t>através</a:t>
-            </a:r>
-            <a:r>
-              <a:rPr lang="en-US" sz="1200" dirty="0">
-                <a:latin typeface="Arial"/>
-                <a:cs typeface="Arial"/>
-              </a:rPr>
-              <a:t> da </a:t>
-            </a:r>
-            <a:r>
-              <a:rPr lang="en-US" sz="1200" dirty="0" err="1">
-                <a:latin typeface="Arial"/>
-                <a:cs typeface="Arial"/>
-              </a:rPr>
-              <a:t>câmera</a:t>
-            </a:r>
-            <a:r>
-              <a:rPr lang="en-US" sz="1200" dirty="0">
-                <a:latin typeface="Arial"/>
-                <a:cs typeface="Arial"/>
-              </a:rPr>
-              <a:t> de video </a:t>
-            </a:r>
-            <a:r>
-              <a:rPr lang="en-US" sz="1200" dirty="0" err="1">
-                <a:latin typeface="Arial"/>
-                <a:cs typeface="Arial"/>
-              </a:rPr>
-              <a:t>acoplada</a:t>
-            </a:r>
-            <a:r>
-              <a:rPr lang="en-US" sz="1200" dirty="0">
-                <a:latin typeface="Arial"/>
-                <a:cs typeface="Arial"/>
-              </a:rPr>
-              <a:t> </a:t>
-            </a:r>
-            <a:r>
-              <a:rPr lang="en-US" sz="1200" dirty="0" err="1">
-                <a:latin typeface="Arial"/>
-                <a:cs typeface="Arial"/>
-              </a:rPr>
-              <a:t>ao</a:t>
-            </a:r>
-            <a:r>
-              <a:rPr lang="en-US" sz="1200" dirty="0">
-                <a:latin typeface="Arial"/>
-                <a:cs typeface="Arial"/>
-              </a:rPr>
-              <a:t> </a:t>
-            </a:r>
-            <a:r>
-              <a:rPr lang="en-US" sz="1200" dirty="0" err="1">
-                <a:latin typeface="Arial"/>
-                <a:cs typeface="Arial"/>
-              </a:rPr>
-              <a:t>computador</a:t>
-            </a:r>
-            <a:r>
-              <a:rPr lang="en-US" sz="1200" dirty="0">
-                <a:latin typeface="Arial"/>
-                <a:cs typeface="Arial"/>
-              </a:rPr>
-              <a:t>. O </a:t>
-            </a:r>
-            <a:r>
-              <a:rPr lang="en-US" sz="1200" dirty="0" err="1">
-                <a:latin typeface="Arial"/>
-                <a:cs typeface="Arial"/>
-              </a:rPr>
-              <a:t>jogador</a:t>
-            </a:r>
-            <a:r>
-              <a:rPr lang="en-US" sz="1200" dirty="0">
-                <a:latin typeface="Arial"/>
-                <a:cs typeface="Arial"/>
-              </a:rPr>
-              <a:t> </a:t>
-            </a:r>
-            <a:r>
-              <a:rPr lang="en-US" sz="1200" dirty="0" err="1">
-                <a:latin typeface="Arial"/>
-                <a:cs typeface="Arial"/>
-              </a:rPr>
-              <a:t>terá</a:t>
-            </a:r>
-            <a:r>
-              <a:rPr lang="en-US" sz="1200" dirty="0">
-                <a:latin typeface="Arial"/>
-                <a:cs typeface="Arial"/>
-              </a:rPr>
-              <a:t> </a:t>
-            </a:r>
-            <a:r>
-              <a:rPr lang="en-US" sz="1200" dirty="0" err="1">
-                <a:latin typeface="Arial"/>
-                <a:cs typeface="Arial"/>
-              </a:rPr>
-              <a:t>à</a:t>
-            </a:r>
-            <a:r>
-              <a:rPr lang="en-US" sz="1200" dirty="0">
-                <a:latin typeface="Arial"/>
-                <a:cs typeface="Arial"/>
-              </a:rPr>
-              <a:t> </a:t>
-            </a:r>
-            <a:r>
-              <a:rPr lang="en-US" sz="1200" dirty="0" err="1">
-                <a:latin typeface="Arial"/>
-                <a:cs typeface="Arial"/>
-              </a:rPr>
-              <a:t>sua</a:t>
-            </a:r>
-            <a:r>
-              <a:rPr lang="en-US" sz="1200" dirty="0">
-                <a:latin typeface="Arial"/>
-                <a:cs typeface="Arial"/>
-              </a:rPr>
-              <a:t> </a:t>
-            </a:r>
-            <a:r>
-              <a:rPr lang="en-US" sz="1200" dirty="0" err="1">
-                <a:latin typeface="Arial"/>
-                <a:cs typeface="Arial"/>
-              </a:rPr>
-              <a:t>disposição</a:t>
-            </a:r>
-            <a:r>
-              <a:rPr lang="en-US" sz="1200" dirty="0">
-                <a:latin typeface="Arial"/>
-                <a:cs typeface="Arial"/>
-              </a:rPr>
-              <a:t> </a:t>
-            </a:r>
-            <a:r>
-              <a:rPr lang="en-US" sz="1200" dirty="0" err="1">
-                <a:latin typeface="Arial"/>
-                <a:cs typeface="Arial"/>
-              </a:rPr>
-              <a:t>uma</a:t>
-            </a:r>
-            <a:r>
-              <a:rPr lang="en-US" sz="1200" dirty="0">
-                <a:latin typeface="Arial"/>
-                <a:cs typeface="Arial"/>
-              </a:rPr>
-              <a:t> </a:t>
-            </a:r>
-            <a:r>
-              <a:rPr lang="en-US" sz="1200" dirty="0" err="1">
-                <a:latin typeface="Arial"/>
-                <a:cs typeface="Arial"/>
-              </a:rPr>
-              <a:t>varinha</a:t>
-            </a:r>
-            <a:r>
-              <a:rPr lang="en-US" sz="1200" dirty="0">
-                <a:latin typeface="Arial"/>
-                <a:cs typeface="Arial"/>
-              </a:rPr>
-              <a:t>  </a:t>
-            </a:r>
-            <a:r>
-              <a:rPr lang="en-US" sz="1200" dirty="0" err="1">
-                <a:latin typeface="Arial"/>
-                <a:cs typeface="Arial"/>
-              </a:rPr>
-              <a:t>mágica</a:t>
-            </a:r>
-            <a:r>
-              <a:rPr lang="en-US" sz="1200" dirty="0">
-                <a:latin typeface="Arial"/>
-                <a:cs typeface="Arial"/>
-              </a:rPr>
-              <a:t> com </a:t>
-            </a:r>
-            <a:r>
-              <a:rPr lang="en-US" sz="1200" dirty="0" err="1">
-                <a:latin typeface="Arial"/>
-                <a:cs typeface="Arial"/>
-              </a:rPr>
-              <a:t>uma</a:t>
-            </a:r>
-            <a:r>
-              <a:rPr lang="en-US" sz="1200" dirty="0">
-                <a:latin typeface="Arial"/>
-                <a:cs typeface="Arial"/>
-              </a:rPr>
-              <a:t> </a:t>
-            </a:r>
-            <a:r>
-              <a:rPr lang="en-US" sz="1200" dirty="0" err="1">
-                <a:latin typeface="Arial"/>
-                <a:cs typeface="Arial"/>
-              </a:rPr>
-              <a:t>luz</a:t>
-            </a:r>
-            <a:r>
-              <a:rPr lang="en-US" sz="1200" dirty="0">
-                <a:latin typeface="Arial"/>
-                <a:cs typeface="Arial"/>
-              </a:rPr>
-              <a:t> de LED </a:t>
-            </a:r>
-            <a:r>
-              <a:rPr lang="en-US" sz="1200" dirty="0" err="1">
-                <a:latin typeface="Arial"/>
-                <a:cs typeface="Arial"/>
-              </a:rPr>
-              <a:t>na</a:t>
-            </a:r>
-            <a:r>
-              <a:rPr lang="en-US" sz="1200" dirty="0">
-                <a:latin typeface="Arial"/>
-                <a:cs typeface="Arial"/>
-              </a:rPr>
-              <a:t> </a:t>
-            </a:r>
-            <a:r>
-              <a:rPr lang="en-US" sz="1200" dirty="0" err="1">
-                <a:latin typeface="Arial"/>
-                <a:cs typeface="Arial"/>
-              </a:rPr>
-              <a:t>ponta</a:t>
-            </a:r>
-            <a:r>
-              <a:rPr lang="en-US" sz="1200" dirty="0">
-                <a:latin typeface="Arial"/>
-                <a:cs typeface="Arial"/>
-              </a:rPr>
-              <a:t>, </a:t>
-            </a:r>
-            <a:r>
-              <a:rPr lang="en-US" sz="1200" dirty="0" err="1">
-                <a:latin typeface="Arial"/>
-                <a:cs typeface="Arial"/>
-              </a:rPr>
-              <a:t>que</a:t>
-            </a:r>
-            <a:r>
-              <a:rPr lang="en-US" sz="1200" dirty="0">
-                <a:latin typeface="Arial"/>
-                <a:cs typeface="Arial"/>
-              </a:rPr>
-              <a:t> </a:t>
-            </a:r>
-            <a:r>
-              <a:rPr lang="en-US" sz="1200" dirty="0" err="1">
-                <a:latin typeface="Arial"/>
-                <a:cs typeface="Arial"/>
-              </a:rPr>
-              <a:t>será</a:t>
-            </a:r>
-            <a:r>
-              <a:rPr lang="en-US" sz="1200" dirty="0">
-                <a:latin typeface="Arial"/>
-                <a:cs typeface="Arial"/>
-              </a:rPr>
-              <a:t> </a:t>
-            </a:r>
-            <a:r>
-              <a:rPr lang="en-US" sz="1200" dirty="0" err="1">
-                <a:latin typeface="Arial"/>
-                <a:cs typeface="Arial"/>
-              </a:rPr>
-              <a:t>reconhecida</a:t>
-            </a:r>
-            <a:r>
-              <a:rPr lang="en-US" sz="1200" dirty="0">
-                <a:latin typeface="Arial"/>
-                <a:cs typeface="Arial"/>
-              </a:rPr>
-              <a:t> </a:t>
-            </a:r>
-            <a:r>
-              <a:rPr lang="en-US" sz="1200" dirty="0" err="1">
-                <a:latin typeface="Arial"/>
-                <a:cs typeface="Arial"/>
-              </a:rPr>
-              <a:t>pelos</a:t>
-            </a:r>
-            <a:r>
-              <a:rPr lang="en-US" sz="1200" dirty="0">
-                <a:latin typeface="Arial"/>
-                <a:cs typeface="Arial"/>
-              </a:rPr>
-              <a:t> </a:t>
-            </a:r>
-            <a:r>
-              <a:rPr lang="en-US" sz="1200" dirty="0" err="1">
-                <a:latin typeface="Arial"/>
-                <a:cs typeface="Arial"/>
-              </a:rPr>
-              <a:t>algoritmos</a:t>
-            </a:r>
-            <a:r>
-              <a:rPr lang="en-US" sz="1200" dirty="0">
-                <a:latin typeface="Arial"/>
-                <a:cs typeface="Arial"/>
-              </a:rPr>
-              <a:t> e </a:t>
-            </a:r>
-            <a:r>
-              <a:rPr lang="en-US" sz="1200" dirty="0" err="1">
-                <a:latin typeface="Arial"/>
-                <a:cs typeface="Arial"/>
-              </a:rPr>
-              <a:t>seus</a:t>
-            </a:r>
-            <a:r>
-              <a:rPr lang="en-US" sz="1200" dirty="0">
-                <a:latin typeface="Arial"/>
-                <a:cs typeface="Arial"/>
-              </a:rPr>
-              <a:t> </a:t>
-            </a:r>
-            <a:r>
-              <a:rPr lang="en-US" sz="1200" dirty="0" err="1">
-                <a:latin typeface="Arial"/>
-                <a:cs typeface="Arial"/>
-              </a:rPr>
-              <a:t>movimentos</a:t>
-            </a:r>
-            <a:r>
-              <a:rPr lang="en-US" sz="1200" dirty="0">
-                <a:latin typeface="Arial"/>
-                <a:cs typeface="Arial"/>
-              </a:rPr>
-              <a:t> </a:t>
-            </a:r>
-            <a:r>
-              <a:rPr lang="en-US" sz="1200" dirty="0" err="1">
-                <a:latin typeface="Arial"/>
-                <a:cs typeface="Arial"/>
-              </a:rPr>
-              <a:t>traduzidos</a:t>
-            </a:r>
-            <a:r>
-              <a:rPr lang="en-US" sz="1200" dirty="0">
-                <a:latin typeface="Arial"/>
-                <a:cs typeface="Arial"/>
-              </a:rPr>
-              <a:t> </a:t>
-            </a:r>
-            <a:r>
-              <a:rPr lang="en-US" sz="1200" dirty="0" err="1">
-                <a:latin typeface="Arial"/>
-                <a:cs typeface="Arial"/>
-              </a:rPr>
-              <a:t>como</a:t>
-            </a:r>
-            <a:r>
-              <a:rPr lang="en-US" sz="1200" dirty="0">
-                <a:latin typeface="Arial"/>
-                <a:cs typeface="Arial"/>
-              </a:rPr>
-              <a:t> </a:t>
-            </a:r>
-            <a:r>
-              <a:rPr lang="en-US" sz="1200" dirty="0" err="1">
-                <a:latin typeface="Arial"/>
-                <a:cs typeface="Arial"/>
-              </a:rPr>
-              <a:t>coordenadas</a:t>
-            </a:r>
-            <a:r>
-              <a:rPr lang="en-US" sz="1200" dirty="0">
-                <a:latin typeface="Arial"/>
-                <a:cs typeface="Arial"/>
-              </a:rPr>
-              <a:t> de </a:t>
-            </a:r>
-            <a:r>
-              <a:rPr lang="en-US" sz="1200" dirty="0" err="1">
-                <a:latin typeface="Arial"/>
-                <a:cs typeface="Arial"/>
-              </a:rPr>
-              <a:t>posição</a:t>
-            </a:r>
-            <a:r>
-              <a:rPr lang="en-US" sz="1200" dirty="0">
-                <a:latin typeface="Arial"/>
-                <a:cs typeface="Arial"/>
-              </a:rPr>
-              <a:t> X e Y </a:t>
-            </a:r>
-            <a:r>
-              <a:rPr lang="en-US" sz="1200" dirty="0" err="1">
-                <a:latin typeface="Arial"/>
-                <a:cs typeface="Arial"/>
-              </a:rPr>
-              <a:t>dentro</a:t>
-            </a:r>
-            <a:r>
-              <a:rPr lang="en-US" sz="1200" dirty="0">
-                <a:latin typeface="Arial"/>
-                <a:cs typeface="Arial"/>
-              </a:rPr>
-              <a:t> do </a:t>
-            </a:r>
-            <a:r>
-              <a:rPr lang="en-US" sz="1200" dirty="0" err="1">
-                <a:latin typeface="Arial"/>
-                <a:cs typeface="Arial"/>
-              </a:rPr>
-              <a:t>jogo</a:t>
-            </a:r>
-            <a:r>
-              <a:rPr lang="en-US" sz="1200" dirty="0">
-                <a:latin typeface="Arial"/>
-                <a:cs typeface="Arial"/>
-              </a:rPr>
-              <a:t>. </a:t>
-            </a:r>
-            <a:r>
-              <a:rPr lang="en-US" sz="1200" dirty="0" err="1">
-                <a:latin typeface="Arial"/>
-                <a:cs typeface="Arial"/>
-              </a:rPr>
-              <a:t>Basicamente</a:t>
-            </a:r>
-            <a:r>
-              <a:rPr lang="en-US" sz="1200" dirty="0">
-                <a:latin typeface="Arial"/>
-                <a:cs typeface="Arial"/>
-              </a:rPr>
-              <a:t> a </a:t>
-            </a:r>
-            <a:r>
-              <a:rPr lang="en-US" sz="1200" dirty="0" err="1">
-                <a:latin typeface="Arial"/>
-                <a:cs typeface="Arial"/>
-              </a:rPr>
-              <a:t>varinha</a:t>
-            </a:r>
-            <a:r>
-              <a:rPr lang="en-US" sz="1200" dirty="0">
-                <a:latin typeface="Arial"/>
-                <a:cs typeface="Arial"/>
-              </a:rPr>
-              <a:t> tem o </a:t>
-            </a:r>
-            <a:r>
-              <a:rPr lang="en-US" sz="1200" dirty="0" err="1">
-                <a:latin typeface="Arial"/>
-                <a:cs typeface="Arial"/>
-              </a:rPr>
-              <a:t>funcionamento</a:t>
-            </a:r>
-            <a:r>
-              <a:rPr lang="en-US" sz="1200" dirty="0">
-                <a:latin typeface="Arial"/>
-                <a:cs typeface="Arial"/>
-              </a:rPr>
-              <a:t> de um mouse. </a:t>
-            </a:r>
-          </a:p>
-          <a:p>
-            <a:pPr algn="just"/>
-            <a:r>
-              <a:rPr lang="en-US" sz="1200" dirty="0" smtClean="0">
-                <a:latin typeface="Arial"/>
-                <a:cs typeface="Arial"/>
-              </a:rPr>
-              <a:t> </a:t>
-            </a:r>
+              <a:rPr lang="pt-BR" sz="1200" dirty="0" smtClean="0">
+                <a:latin typeface="Arial"/>
+                <a:cs typeface="Arial"/>
+              </a:rPr>
+              <a:t>A interação do jogador com o jogo deverá ocorrer exclusivamente através da câmera de vídeo acoplada ao computador. O jogador terá à sua disposição uma varinha  mágica com uma luz de LED na ponta, que será reconhecida pelos algoritmos e seus movimentos traduzidos como coordenadas de posição X e Y dentro do jogo. Basicamente a varinha tem o funcionamento de um mouse. </a:t>
+            </a:r>
+            <a:endParaRPr lang="pt-BR" sz="1200" dirty="0" smtClean="0">
+              <a:latin typeface="Arial"/>
+              <a:cs typeface="Arial"/>
+            </a:endParaRPr>
           </a:p>
         </p:txBody>
       </p:sp>
@@ -7597,258 +4968,13 @@
           <a:p>
             <a:pPr algn="just"/>
             <a:r>
-              <a:rPr lang="en-US" sz="1200" dirty="0">
-                <a:latin typeface="Arial"/>
-                <a:cs typeface="Arial"/>
-              </a:rPr>
-              <a:t>O </a:t>
-            </a:r>
-            <a:r>
-              <a:rPr lang="en-US" sz="1200" dirty="0" err="1" smtClean="0">
-                <a:latin typeface="Arial"/>
-                <a:cs typeface="Arial"/>
-              </a:rPr>
-              <a:t>Objetivo</a:t>
-            </a:r>
-            <a:r>
-              <a:rPr lang="en-US" sz="1200" dirty="0" smtClean="0">
-                <a:latin typeface="Arial"/>
-                <a:cs typeface="Arial"/>
-              </a:rPr>
-              <a:t> do </a:t>
-            </a:r>
-            <a:r>
-              <a:rPr lang="en-US" sz="1200" dirty="0" err="1">
-                <a:latin typeface="Arial"/>
-                <a:cs typeface="Arial"/>
-              </a:rPr>
-              <a:t>projeto</a:t>
-            </a:r>
-            <a:r>
-              <a:rPr lang="en-US" sz="1200" dirty="0">
-                <a:latin typeface="Arial"/>
-                <a:cs typeface="Arial"/>
-              </a:rPr>
-              <a:t> </a:t>
-            </a:r>
-            <a:r>
-              <a:rPr lang="en-US" sz="1200" dirty="0" err="1">
-                <a:latin typeface="Arial"/>
-                <a:cs typeface="Arial"/>
-              </a:rPr>
-              <a:t>consiste</a:t>
-            </a:r>
-            <a:r>
-              <a:rPr lang="en-US" sz="1200" dirty="0">
-                <a:latin typeface="Arial"/>
-                <a:cs typeface="Arial"/>
-              </a:rPr>
-              <a:t> </a:t>
-            </a:r>
-            <a:r>
-              <a:rPr lang="en-US" sz="1200" dirty="0" err="1">
-                <a:latin typeface="Arial"/>
-                <a:cs typeface="Arial"/>
-              </a:rPr>
-              <a:t>em</a:t>
-            </a:r>
-            <a:r>
-              <a:rPr lang="en-US" sz="1200" dirty="0">
-                <a:latin typeface="Arial"/>
-                <a:cs typeface="Arial"/>
-              </a:rPr>
-              <a:t> </a:t>
-            </a:r>
-            <a:r>
-              <a:rPr lang="en-US" sz="1200" dirty="0" err="1">
-                <a:latin typeface="Arial"/>
-                <a:cs typeface="Arial"/>
-              </a:rPr>
-              <a:t>estudar</a:t>
-            </a:r>
-            <a:r>
-              <a:rPr lang="en-US" sz="1200" dirty="0">
-                <a:latin typeface="Arial"/>
-                <a:cs typeface="Arial"/>
-              </a:rPr>
-              <a:t>, </a:t>
-            </a:r>
-            <a:r>
-              <a:rPr lang="en-US" sz="1200" dirty="0" err="1">
-                <a:latin typeface="Arial"/>
-                <a:cs typeface="Arial"/>
-              </a:rPr>
-              <a:t>desenvolver</a:t>
-            </a:r>
-            <a:r>
-              <a:rPr lang="en-US" sz="1200" dirty="0">
-                <a:latin typeface="Arial"/>
-                <a:cs typeface="Arial"/>
-              </a:rPr>
-              <a:t> e </a:t>
-            </a:r>
-            <a:r>
-              <a:rPr lang="en-US" sz="1200" dirty="0" err="1">
-                <a:latin typeface="Arial"/>
-                <a:cs typeface="Arial"/>
-              </a:rPr>
-              <a:t>implementar</a:t>
-            </a:r>
-            <a:r>
-              <a:rPr lang="en-US" sz="1200" dirty="0">
-                <a:latin typeface="Arial"/>
-                <a:cs typeface="Arial"/>
-              </a:rPr>
-              <a:t> </a:t>
-            </a:r>
-            <a:r>
-              <a:rPr lang="en-US" sz="1200" dirty="0" err="1">
-                <a:latin typeface="Arial"/>
-                <a:cs typeface="Arial"/>
-              </a:rPr>
-              <a:t>algoritmos</a:t>
-            </a:r>
-            <a:r>
-              <a:rPr lang="en-US" sz="1200" dirty="0">
-                <a:latin typeface="Arial"/>
-                <a:cs typeface="Arial"/>
-              </a:rPr>
-              <a:t> de </a:t>
-            </a:r>
-            <a:r>
-              <a:rPr lang="en-US" sz="1200" dirty="0" err="1">
-                <a:latin typeface="Arial"/>
-                <a:cs typeface="Arial"/>
-              </a:rPr>
-              <a:t>visão</a:t>
-            </a:r>
-            <a:r>
-              <a:rPr lang="en-US" sz="1200" dirty="0">
-                <a:latin typeface="Arial"/>
-                <a:cs typeface="Arial"/>
-              </a:rPr>
-              <a:t> </a:t>
-            </a:r>
-            <a:r>
-              <a:rPr lang="en-US" sz="1200" dirty="0" err="1">
-                <a:latin typeface="Arial"/>
-                <a:cs typeface="Arial"/>
-              </a:rPr>
-              <a:t>computacional</a:t>
-            </a:r>
-            <a:r>
-              <a:rPr lang="en-US" sz="1200" dirty="0">
-                <a:latin typeface="Arial"/>
-                <a:cs typeface="Arial"/>
-              </a:rPr>
-              <a:t> </a:t>
-            </a:r>
-            <a:r>
-              <a:rPr lang="en-US" sz="1200" dirty="0" err="1">
-                <a:latin typeface="Arial"/>
-                <a:cs typeface="Arial"/>
-              </a:rPr>
-              <a:t>para</a:t>
-            </a:r>
-            <a:r>
-              <a:rPr lang="en-US" sz="1200" dirty="0">
-                <a:latin typeface="Arial"/>
-                <a:cs typeface="Arial"/>
-              </a:rPr>
-              <a:t> </a:t>
-            </a:r>
-            <a:r>
-              <a:rPr lang="en-US" sz="1200" dirty="0" err="1">
-                <a:latin typeface="Arial"/>
-                <a:cs typeface="Arial"/>
-              </a:rPr>
-              <a:t>processamento</a:t>
-            </a:r>
-            <a:r>
-              <a:rPr lang="en-US" sz="1200" dirty="0">
-                <a:latin typeface="Arial"/>
-                <a:cs typeface="Arial"/>
-              </a:rPr>
-              <a:t> de </a:t>
-            </a:r>
-            <a:r>
-              <a:rPr lang="en-US" sz="1200" dirty="0" err="1">
-                <a:latin typeface="Arial"/>
-                <a:cs typeface="Arial"/>
-              </a:rPr>
-              <a:t>imagens</a:t>
-            </a:r>
-            <a:r>
-              <a:rPr lang="en-US" sz="1200" dirty="0">
-                <a:latin typeface="Arial"/>
-                <a:cs typeface="Arial"/>
-              </a:rPr>
-              <a:t>, com a </a:t>
-            </a:r>
-            <a:r>
-              <a:rPr lang="en-US" sz="1200" dirty="0" err="1">
-                <a:latin typeface="Arial"/>
-                <a:cs typeface="Arial"/>
-              </a:rPr>
-              <a:t>finalidade</a:t>
-            </a:r>
-            <a:r>
-              <a:rPr lang="en-US" sz="1200" dirty="0">
-                <a:latin typeface="Arial"/>
-                <a:cs typeface="Arial"/>
-              </a:rPr>
-              <a:t> de </a:t>
-            </a:r>
-            <a:r>
-              <a:rPr lang="en-US" sz="1200" dirty="0" err="1">
-                <a:latin typeface="Arial"/>
-                <a:cs typeface="Arial"/>
-              </a:rPr>
-              <a:t>promover</a:t>
-            </a:r>
-            <a:r>
-              <a:rPr lang="en-US" sz="1200" dirty="0">
-                <a:latin typeface="Arial"/>
-                <a:cs typeface="Arial"/>
-              </a:rPr>
-              <a:t> a </a:t>
-            </a:r>
-            <a:r>
-              <a:rPr lang="en-US" sz="1200" dirty="0" err="1">
-                <a:latin typeface="Arial"/>
-                <a:cs typeface="Arial"/>
-              </a:rPr>
-              <a:t>interação</a:t>
-            </a:r>
-            <a:r>
-              <a:rPr lang="en-US" sz="1200" dirty="0">
-                <a:latin typeface="Arial"/>
-                <a:cs typeface="Arial"/>
-              </a:rPr>
-              <a:t> do </a:t>
-            </a:r>
-            <a:r>
-              <a:rPr lang="en-US" sz="1200" dirty="0" err="1">
-                <a:latin typeface="Arial"/>
-                <a:cs typeface="Arial"/>
-              </a:rPr>
-              <a:t>jogador</a:t>
-            </a:r>
-            <a:r>
-              <a:rPr lang="en-US" sz="1200" dirty="0">
-                <a:latin typeface="Arial"/>
-                <a:cs typeface="Arial"/>
-              </a:rPr>
-              <a:t> com o </a:t>
-            </a:r>
-            <a:r>
-              <a:rPr lang="en-US" sz="1200" dirty="0" err="1" smtClean="0">
-                <a:latin typeface="Arial"/>
-                <a:cs typeface="Arial"/>
-              </a:rPr>
-              <a:t>jogo</a:t>
-            </a:r>
-            <a:endParaRPr lang="en-US" sz="1200" dirty="0">
+              <a:rPr lang="pt-BR" sz="1200" dirty="0" smtClean="0">
+                <a:latin typeface="Arial"/>
+                <a:cs typeface="Arial"/>
+              </a:rPr>
+              <a:t>O Objetivo do projeto consiste em estudar, desenvolver e implementar algoritmos de visão computacional para processamento de imagens, com a finalidade de promover a interação do jogador com o jogo.</a:t>
+            </a:r>
+            <a:endParaRPr lang="pt-BR" sz="1200" dirty="0">
               <a:latin typeface="Arial"/>
               <a:cs typeface="Arial"/>
             </a:endParaRPr>
@@ -7917,10 +5043,6 @@
               </a:rPr>
               <a:t>Materiais e Bibliotecas</a:t>
             </a:r>
-            <a:endParaRPr lang="pt-BR" sz="1200" b="1" dirty="0" smtClean="0">
-              <a:latin typeface="Arial"/>
-              <a:cs typeface="Arial"/>
-            </a:endParaRPr>
           </a:p>
         </p:txBody>
       </p:sp>
@@ -8024,1068 +5146,12 @@
           <a:p>
             <a:pPr algn="just"/>
             <a:r>
-              <a:rPr lang="en-US" sz="1200" dirty="0">
+              <a:rPr lang="pt-BR" sz="1200" dirty="0" smtClean="0">
                 <a:latin typeface="NimbusRomNo9L"/>
               </a:rPr>
-              <a:t>Com a </a:t>
-            </a:r>
-            <a:r>
-              <a:rPr lang="en-US" sz="1200" dirty="0" err="1">
-                <a:latin typeface="NimbusRomNo9L"/>
-              </a:rPr>
-              <a:t>varinha</a:t>
-            </a:r>
-            <a:r>
-              <a:rPr lang="en-US" sz="1200" dirty="0">
-                <a:latin typeface="NimbusRomNo9L"/>
-              </a:rPr>
-              <a:t> </a:t>
-            </a:r>
-            <a:r>
-              <a:rPr lang="en-US" sz="1200" dirty="0" err="1" smtClean="0">
-                <a:latin typeface="NimbusRomNo9L"/>
-              </a:rPr>
-              <a:t>m</a:t>
-            </a:r>
-            <a:r>
-              <a:rPr lang="en-US" sz="1200" dirty="0" err="1" smtClean="0">
-                <a:latin typeface="NimbusRomNo9L"/>
-              </a:rPr>
-              <a:t>á</a:t>
-            </a:r>
-            <a:r>
-              <a:rPr lang="en-US" sz="1200" dirty="0" err="1" smtClean="0">
-                <a:latin typeface="NimbusRomNo9L"/>
-              </a:rPr>
-              <a:t>gica</a:t>
-            </a:r>
-            <a:r>
-              <a:rPr lang="en-US" sz="1200" dirty="0" smtClean="0">
-                <a:latin typeface="NimbusRomNo9L"/>
-              </a:rPr>
-              <a:t> </a:t>
-            </a:r>
-            <a:r>
-              <a:rPr lang="en-US" sz="1200" dirty="0">
-                <a:latin typeface="NimbusRomNo9L"/>
-              </a:rPr>
-              <a:t>o </a:t>
-            </a:r>
-            <a:r>
-              <a:rPr lang="en-US" sz="1200" dirty="0" err="1">
-                <a:latin typeface="NimbusRomNo9L"/>
-              </a:rPr>
-              <a:t>jogador</a:t>
-            </a:r>
-            <a:r>
-              <a:rPr lang="en-US" sz="1200" dirty="0">
-                <a:latin typeface="NimbusRomNo9L"/>
-              </a:rPr>
-              <a:t> </a:t>
-            </a:r>
-            <a:r>
-              <a:rPr lang="en-US" sz="1200" dirty="0" err="1" smtClean="0">
-                <a:latin typeface="NimbusRomNo9L"/>
-              </a:rPr>
-              <a:t>poder</a:t>
-            </a:r>
-            <a:r>
-              <a:rPr lang="en-US" sz="1200" dirty="0" err="1" smtClean="0">
-                <a:latin typeface="NimbusRomNo9L"/>
-              </a:rPr>
-              <a:t>á</a:t>
-            </a:r>
-            <a:r>
-              <a:rPr lang="en-US" sz="1200" dirty="0" smtClean="0">
-                <a:latin typeface="NimbusRomNo9L"/>
-              </a:rPr>
-              <a:t> </a:t>
-            </a:r>
-            <a:r>
-              <a:rPr lang="en-US" sz="1200" dirty="0" err="1">
-                <a:latin typeface="NimbusRomNo9L"/>
-              </a:rPr>
-              <a:t>interagir</a:t>
-            </a:r>
-            <a:r>
-              <a:rPr lang="en-US" sz="1200" dirty="0">
-                <a:latin typeface="NimbusRomNo9L"/>
-              </a:rPr>
-              <a:t> com </a:t>
-            </a:r>
-            <a:r>
-              <a:rPr lang="en-US" sz="1200" dirty="0" err="1">
-                <a:latin typeface="NimbusRomNo9L"/>
-              </a:rPr>
-              <a:t>os</a:t>
-            </a:r>
-            <a:r>
-              <a:rPr lang="en-US" sz="1200" dirty="0">
-                <a:latin typeface="NimbusRomNo9L"/>
-              </a:rPr>
-              <a:t> </a:t>
-            </a:r>
-            <a:r>
-              <a:rPr lang="en-US" sz="1200" dirty="0" err="1">
-                <a:latin typeface="NimbusRomNo9L"/>
-              </a:rPr>
-              <a:t>elementos</a:t>
-            </a:r>
-            <a:r>
-              <a:rPr lang="en-US" sz="1200" dirty="0">
-                <a:latin typeface="NimbusRomNo9L"/>
-              </a:rPr>
-              <a:t> </a:t>
-            </a:r>
-            <a:r>
-              <a:rPr lang="en-US" sz="1200" dirty="0" err="1">
-                <a:latin typeface="NimbusRomNo9L"/>
-              </a:rPr>
-              <a:t>dentro</a:t>
-            </a:r>
-            <a:r>
-              <a:rPr lang="en-US" sz="1200" dirty="0">
-                <a:latin typeface="NimbusRomNo9L"/>
-              </a:rPr>
-              <a:t> do </a:t>
-            </a:r>
-            <a:r>
-              <a:rPr lang="en-US" sz="1200" dirty="0" err="1" smtClean="0">
-                <a:latin typeface="NimbusRomNo9L"/>
-              </a:rPr>
-              <a:t>jogo</a:t>
-            </a:r>
-            <a:r>
-              <a:rPr lang="en-US" sz="1200" dirty="0" smtClean="0">
-                <a:latin typeface="NimbusRomNo9L"/>
-              </a:rPr>
-              <a:t>. </a:t>
-            </a:r>
-            <a:r>
-              <a:rPr lang="en-US" sz="1200" dirty="0" err="1" smtClean="0">
-                <a:latin typeface="NimbusRomNo9L"/>
-              </a:rPr>
-              <a:t>Ao</a:t>
-            </a:r>
-            <a:r>
-              <a:rPr lang="en-US" sz="1200" dirty="0" smtClean="0">
-                <a:latin typeface="NimbusRomNo9L"/>
-              </a:rPr>
-              <a:t> </a:t>
-            </a:r>
-            <a:r>
-              <a:rPr lang="en-US" sz="1200" dirty="0" err="1">
-                <a:latin typeface="NimbusRomNo9L"/>
-              </a:rPr>
-              <a:t>selecionar</a:t>
-            </a:r>
-            <a:r>
-              <a:rPr lang="en-US" sz="1200" dirty="0">
-                <a:latin typeface="NimbusRomNo9L"/>
-              </a:rPr>
-              <a:t> um </a:t>
-            </a:r>
-            <a:r>
-              <a:rPr lang="en-US" sz="1200" dirty="0" err="1">
-                <a:latin typeface="NimbusRomNo9L"/>
-              </a:rPr>
-              <a:t>poder</a:t>
-            </a:r>
-            <a:r>
-              <a:rPr lang="en-US" sz="1200" dirty="0">
-                <a:latin typeface="NimbusRomNo9L"/>
-              </a:rPr>
-              <a:t> a </a:t>
-            </a:r>
-            <a:r>
-              <a:rPr lang="en-US" sz="1200" dirty="0" err="1">
-                <a:latin typeface="NimbusRomNo9L"/>
-              </a:rPr>
-              <a:t>luz</a:t>
-            </a:r>
-            <a:r>
-              <a:rPr lang="en-US" sz="1200" dirty="0">
-                <a:latin typeface="NimbusRomNo9L"/>
-              </a:rPr>
-              <a:t> </a:t>
-            </a:r>
-            <a:r>
-              <a:rPr lang="en-US" sz="1200" dirty="0" err="1">
-                <a:latin typeface="NimbusRomNo9L"/>
-              </a:rPr>
-              <a:t>na</a:t>
-            </a:r>
-            <a:r>
-              <a:rPr lang="en-US" sz="1200" dirty="0">
-                <a:latin typeface="NimbusRomNo9L"/>
-              </a:rPr>
-              <a:t> </a:t>
-            </a:r>
-            <a:r>
-              <a:rPr lang="en-US" sz="1200" dirty="0" err="1">
-                <a:latin typeface="NimbusRomNo9L"/>
-              </a:rPr>
-              <a:t>ponta</a:t>
-            </a:r>
-            <a:r>
-              <a:rPr lang="en-US" sz="1200" dirty="0">
-                <a:latin typeface="NimbusRomNo9L"/>
-              </a:rPr>
-              <a:t> da </a:t>
-            </a:r>
-            <a:r>
-              <a:rPr lang="en-US" sz="1200" dirty="0" err="1">
-                <a:latin typeface="NimbusRomNo9L"/>
-              </a:rPr>
-              <a:t>varinha</a:t>
-            </a:r>
-            <a:r>
-              <a:rPr lang="en-US" sz="1200" dirty="0">
-                <a:latin typeface="NimbusRomNo9L"/>
-              </a:rPr>
-              <a:t> </a:t>
-            </a:r>
-            <a:r>
-              <a:rPr lang="en-US" sz="1200" dirty="0" err="1" smtClean="0">
-                <a:latin typeface="NimbusRomNo9L"/>
-              </a:rPr>
-              <a:t>ir</a:t>
-            </a:r>
-            <a:r>
-              <a:rPr lang="en-US" sz="1200" dirty="0" err="1" smtClean="0">
-                <a:latin typeface="NimbusRomNo9L"/>
-              </a:rPr>
-              <a:t>á</a:t>
-            </a:r>
-            <a:r>
-              <a:rPr lang="en-US" sz="1200" dirty="0" smtClean="0">
-                <a:latin typeface="NimbusRomNo9L"/>
-              </a:rPr>
-              <a:t> </a:t>
-            </a:r>
-            <a:r>
-              <a:rPr lang="en-US" sz="1200" dirty="0" err="1">
-                <a:latin typeface="NimbusRomNo9L"/>
-              </a:rPr>
-              <a:t>assumir</a:t>
-            </a:r>
-            <a:r>
-              <a:rPr lang="en-US" sz="1200" dirty="0">
-                <a:latin typeface="NimbusRomNo9L"/>
-              </a:rPr>
-              <a:t> a </a:t>
-            </a:r>
-            <a:r>
-              <a:rPr lang="en-US" sz="1200" dirty="0" err="1">
-                <a:latin typeface="NimbusRomNo9L"/>
-              </a:rPr>
-              <a:t>cor</a:t>
-            </a:r>
-            <a:r>
-              <a:rPr lang="en-US" sz="1200" dirty="0">
-                <a:latin typeface="NimbusRomNo9L"/>
-              </a:rPr>
-              <a:t> </a:t>
-            </a:r>
-            <a:r>
-              <a:rPr lang="en-US" sz="1200" dirty="0" err="1">
-                <a:latin typeface="NimbusRomNo9L"/>
-              </a:rPr>
-              <a:t>desse</a:t>
-            </a:r>
-            <a:r>
-              <a:rPr lang="en-US" sz="1200" dirty="0">
-                <a:latin typeface="NimbusRomNo9L"/>
-              </a:rPr>
-              <a:t> </a:t>
-            </a:r>
-            <a:r>
-              <a:rPr lang="en-US" sz="1200" dirty="0" err="1">
-                <a:latin typeface="NimbusRomNo9L"/>
-              </a:rPr>
-              <a:t>poder</a:t>
-            </a:r>
-            <a:r>
-              <a:rPr lang="en-US" sz="1200" dirty="0">
-                <a:latin typeface="NimbusRomNo9L"/>
-              </a:rPr>
-              <a:t>, </a:t>
-            </a:r>
-            <a:r>
-              <a:rPr lang="en-US" sz="1200" dirty="0" err="1">
-                <a:latin typeface="NimbusRomNo9L"/>
-              </a:rPr>
-              <a:t>indicando</a:t>
-            </a:r>
-            <a:r>
-              <a:rPr lang="en-US" sz="1200" dirty="0">
-                <a:latin typeface="NimbusRomNo9L"/>
-              </a:rPr>
-              <a:t> </a:t>
-            </a:r>
-            <a:r>
-              <a:rPr lang="en-US" sz="1200" dirty="0" smtClean="0">
-                <a:latin typeface="NimbusRomNo9L"/>
-              </a:rPr>
-              <a:t>se </a:t>
-            </a:r>
-            <a:r>
-              <a:rPr lang="en-US" sz="1200" dirty="0" err="1" smtClean="0">
-                <a:latin typeface="NimbusRomNo9L"/>
-              </a:rPr>
-              <a:t>ele</a:t>
-            </a:r>
-            <a:r>
-              <a:rPr lang="en-US" sz="1200" dirty="0" smtClean="0">
-                <a:latin typeface="NimbusRomNo9L"/>
-              </a:rPr>
-              <a:t> </a:t>
-            </a:r>
-            <a:r>
-              <a:rPr lang="en-US" sz="1200" dirty="0" err="1">
-                <a:latin typeface="NimbusRomNo9L"/>
-              </a:rPr>
-              <a:t>foi</a:t>
-            </a:r>
-            <a:r>
-              <a:rPr lang="en-US" sz="1200" dirty="0">
-                <a:latin typeface="NimbusRomNo9L"/>
-              </a:rPr>
-              <a:t> </a:t>
-            </a:r>
-            <a:r>
-              <a:rPr lang="en-US" sz="1200" dirty="0" err="1">
-                <a:latin typeface="NimbusRomNo9L"/>
-              </a:rPr>
-              <a:t>selecionado</a:t>
-            </a:r>
-            <a:r>
-              <a:rPr lang="en-US" sz="1200" dirty="0">
-                <a:latin typeface="NimbusRomNo9L"/>
-              </a:rPr>
-              <a:t> e </a:t>
-            </a:r>
-            <a:r>
-              <a:rPr lang="en-US" sz="1200" dirty="0" err="1" smtClean="0">
-                <a:latin typeface="NimbusRomNo9L"/>
-              </a:rPr>
-              <a:t>est</a:t>
-            </a:r>
-            <a:r>
-              <a:rPr lang="en-US" sz="1200" dirty="0" err="1" smtClean="0">
-                <a:latin typeface="NimbusRomNo9L"/>
-              </a:rPr>
-              <a:t>á</a:t>
-            </a:r>
-            <a:r>
-              <a:rPr lang="en-US" sz="1200" dirty="0" smtClean="0">
-                <a:latin typeface="NimbusRomNo9L"/>
-              </a:rPr>
-              <a:t> </a:t>
-            </a:r>
-            <a:r>
-              <a:rPr lang="en-US" sz="1200" dirty="0" err="1">
-                <a:latin typeface="NimbusRomNo9L"/>
-              </a:rPr>
-              <a:t>ativo</a:t>
-            </a:r>
-            <a:r>
-              <a:rPr lang="en-US" sz="1200" dirty="0">
-                <a:latin typeface="NimbusRomNo9L"/>
-              </a:rPr>
-              <a:t>. Se </a:t>
-            </a:r>
-            <a:r>
-              <a:rPr lang="en-US" sz="1200" dirty="0" err="1" smtClean="0">
-                <a:latin typeface="NimbusRomNo9L"/>
-              </a:rPr>
-              <a:t>não</a:t>
-            </a:r>
-            <a:r>
-              <a:rPr lang="en-US" sz="1200" dirty="0" smtClean="0">
-                <a:latin typeface="NimbusRomNo9L"/>
-              </a:rPr>
-              <a:t> </a:t>
-            </a:r>
-            <a:r>
-              <a:rPr lang="en-US" sz="1200" dirty="0" err="1">
-                <a:latin typeface="NimbusRomNo9L"/>
-              </a:rPr>
-              <a:t>houver</a:t>
-            </a:r>
-            <a:r>
-              <a:rPr lang="en-US" sz="1200" dirty="0">
-                <a:latin typeface="NimbusRomNo9L"/>
-              </a:rPr>
-              <a:t> </a:t>
-            </a:r>
-            <a:r>
-              <a:rPr lang="en-US" sz="1200" dirty="0" err="1">
-                <a:latin typeface="NimbusRomNo9L"/>
-              </a:rPr>
-              <a:t>luz</a:t>
-            </a:r>
-            <a:r>
-              <a:rPr lang="en-US" sz="1200" dirty="0">
-                <a:latin typeface="NimbusRomNo9L"/>
-              </a:rPr>
-              <a:t>, </a:t>
-            </a:r>
-            <a:r>
-              <a:rPr lang="en-US" sz="1200" dirty="0" err="1">
-                <a:latin typeface="NimbusRomNo9L"/>
-              </a:rPr>
-              <a:t>significa</a:t>
-            </a:r>
-            <a:r>
-              <a:rPr lang="en-US" sz="1200" dirty="0">
-                <a:latin typeface="NimbusRomNo9L"/>
-              </a:rPr>
-              <a:t> </a:t>
-            </a:r>
-            <a:r>
-              <a:rPr lang="en-US" sz="1200" dirty="0" err="1">
-                <a:latin typeface="NimbusRomNo9L"/>
-              </a:rPr>
-              <a:t>que</a:t>
-            </a:r>
-            <a:r>
-              <a:rPr lang="en-US" sz="1200" dirty="0">
-                <a:latin typeface="NimbusRomNo9L"/>
-              </a:rPr>
-              <a:t> a </a:t>
-            </a:r>
-            <a:r>
-              <a:rPr lang="en-US" sz="1200" dirty="0" err="1" smtClean="0">
-                <a:latin typeface="NimbusRomNo9L"/>
-              </a:rPr>
-              <a:t>sele</a:t>
-            </a:r>
-            <a:r>
-              <a:rPr lang="en-US" sz="1200" dirty="0" err="1">
-                <a:latin typeface="NimbusRomNo9L"/>
-              </a:rPr>
-              <a:t>ção</a:t>
-            </a:r>
-            <a:r>
-              <a:rPr lang="en-US" sz="1200" dirty="0" smtClean="0">
-                <a:latin typeface="NimbusRomNo9L"/>
-              </a:rPr>
-              <a:t> </a:t>
-            </a:r>
-            <a:r>
-              <a:rPr lang="en-US" sz="1200" dirty="0">
-                <a:latin typeface="NimbusRomNo9L"/>
-              </a:rPr>
-              <a:t>de </a:t>
-            </a:r>
-            <a:r>
-              <a:rPr lang="en-US" sz="1200" dirty="0" err="1">
-                <a:latin typeface="NimbusRomNo9L"/>
-              </a:rPr>
-              <a:t>poderes</a:t>
-            </a:r>
-            <a:r>
-              <a:rPr lang="en-US" sz="1200" dirty="0">
-                <a:latin typeface="NimbusRomNo9L"/>
-              </a:rPr>
-              <a:t> </a:t>
-            </a:r>
-            <a:r>
-              <a:rPr lang="en-US" sz="1200" dirty="0" err="1" smtClean="0">
-                <a:latin typeface="NimbusRomNo9L"/>
-              </a:rPr>
-              <a:t>est</a:t>
-            </a:r>
-            <a:r>
-              <a:rPr lang="en-US" sz="1200" dirty="0" err="1" smtClean="0">
-                <a:latin typeface="NimbusRomNo9L"/>
-              </a:rPr>
-              <a:t>á</a:t>
-            </a:r>
-            <a:r>
-              <a:rPr lang="en-US" sz="1200" dirty="0" smtClean="0">
-                <a:latin typeface="NimbusRomNo9L"/>
-              </a:rPr>
-              <a:t> </a:t>
-            </a:r>
-            <a:r>
-              <a:rPr lang="en-US" sz="1200" dirty="0" err="1">
-                <a:latin typeface="NimbusRomNo9L"/>
-              </a:rPr>
-              <a:t>desabilitada</a:t>
-            </a:r>
-            <a:r>
-              <a:rPr lang="en-US" sz="1200" dirty="0">
-                <a:latin typeface="NimbusRomNo9L"/>
-              </a:rPr>
-              <a:t> </a:t>
-            </a:r>
-            <a:r>
-              <a:rPr lang="en-US" sz="1200" dirty="0" err="1">
-                <a:latin typeface="NimbusRomNo9L"/>
-              </a:rPr>
-              <a:t>temporariamente</a:t>
-            </a:r>
-            <a:r>
-              <a:rPr lang="en-US" sz="1200" dirty="0">
-                <a:latin typeface="NimbusRomNo9L"/>
-              </a:rPr>
-              <a:t>. </a:t>
-            </a:r>
-            <a:r>
-              <a:rPr lang="en-US" sz="1200" dirty="0" err="1">
-                <a:latin typeface="NimbusRomNo9L"/>
-              </a:rPr>
-              <a:t>Caso</a:t>
-            </a:r>
-            <a:r>
-              <a:rPr lang="en-US" sz="1200" dirty="0">
-                <a:latin typeface="NimbusRomNo9L"/>
-              </a:rPr>
-              <a:t> a </a:t>
-            </a:r>
-            <a:r>
-              <a:rPr lang="en-US" sz="1200" dirty="0" err="1">
-                <a:latin typeface="NimbusRomNo9L"/>
-              </a:rPr>
-              <a:t>luz</a:t>
-            </a:r>
-            <a:r>
-              <a:rPr lang="en-US" sz="1200" dirty="0">
-                <a:latin typeface="NimbusRomNo9L"/>
-              </a:rPr>
-              <a:t> </a:t>
-            </a:r>
-            <a:r>
-              <a:rPr lang="en-US" sz="1200" dirty="0" err="1">
-                <a:latin typeface="NimbusRomNo9L"/>
-              </a:rPr>
-              <a:t>seja</a:t>
-            </a:r>
-            <a:r>
-              <a:rPr lang="en-US" sz="1200" dirty="0">
-                <a:latin typeface="NimbusRomNo9L"/>
-              </a:rPr>
-              <a:t> a </a:t>
-            </a:r>
-            <a:r>
-              <a:rPr lang="en-US" sz="1200" dirty="0" err="1">
-                <a:latin typeface="NimbusRomNo9L"/>
-              </a:rPr>
-              <a:t>cor</a:t>
-            </a:r>
-            <a:r>
-              <a:rPr lang="en-US" sz="1200" dirty="0">
-                <a:latin typeface="NimbusRomNo9L"/>
-              </a:rPr>
-              <a:t> </a:t>
-            </a:r>
-            <a:r>
-              <a:rPr lang="en-US" sz="1200" dirty="0" err="1">
-                <a:latin typeface="NimbusRomNo9L"/>
-              </a:rPr>
-              <a:t>branco</a:t>
-            </a:r>
-            <a:r>
-              <a:rPr lang="en-US" sz="1200" dirty="0">
-                <a:latin typeface="NimbusRomNo9L"/>
-              </a:rPr>
-              <a:t>, </a:t>
-            </a:r>
-            <a:r>
-              <a:rPr lang="en-US" sz="1200" dirty="0" err="1" smtClean="0">
-                <a:latin typeface="NimbusRomNo9L"/>
-              </a:rPr>
-              <a:t>então</a:t>
-            </a:r>
-            <a:r>
-              <a:rPr lang="en-US" sz="1200" dirty="0" smtClean="0">
-                <a:latin typeface="NimbusRomNo9L"/>
-              </a:rPr>
-              <a:t> </a:t>
-            </a:r>
-            <a:r>
-              <a:rPr lang="en-US" sz="1200" dirty="0" err="1" smtClean="0">
-                <a:latin typeface="NimbusRomNo9L"/>
-              </a:rPr>
-              <a:t>est</a:t>
-            </a:r>
-            <a:r>
-              <a:rPr lang="en-US" sz="1200" dirty="0" err="1" smtClean="0">
-                <a:latin typeface="NimbusRomNo9L"/>
-              </a:rPr>
-              <a:t>á</a:t>
-            </a:r>
-            <a:r>
-              <a:rPr lang="en-US" sz="1200" dirty="0" smtClean="0">
-                <a:latin typeface="NimbusRomNo9L"/>
-              </a:rPr>
-              <a:t> </a:t>
-            </a:r>
-            <a:r>
-              <a:rPr lang="en-US" sz="1200" dirty="0" err="1" smtClean="0">
-                <a:latin typeface="NimbusRomNo9L"/>
-              </a:rPr>
-              <a:t>dispon</a:t>
-            </a:r>
-            <a:r>
-              <a:rPr lang="en-US" sz="1200" dirty="0" err="1" smtClean="0">
-                <a:latin typeface="NimbusRomNo9L"/>
-              </a:rPr>
-              <a:t>í</a:t>
-            </a:r>
-            <a:r>
-              <a:rPr lang="en-US" sz="1200" dirty="0" err="1" smtClean="0">
-                <a:latin typeface="NimbusRomNo9L"/>
-              </a:rPr>
-              <a:t>vel</a:t>
-            </a:r>
-            <a:r>
-              <a:rPr lang="en-US" sz="1200" dirty="0" smtClean="0">
-                <a:latin typeface="NimbusRomNo9L"/>
-              </a:rPr>
-              <a:t> </a:t>
-            </a:r>
-            <a:r>
-              <a:rPr lang="en-US" sz="1200" dirty="0" err="1">
-                <a:latin typeface="NimbusRomNo9L"/>
-              </a:rPr>
-              <a:t>selecionar</a:t>
-            </a:r>
-            <a:r>
-              <a:rPr lang="en-US" sz="1200" dirty="0">
-                <a:latin typeface="NimbusRomNo9L"/>
-              </a:rPr>
-              <a:t> </a:t>
-            </a:r>
-            <a:r>
-              <a:rPr lang="en-US" sz="1200" dirty="0" err="1">
-                <a:latin typeface="NimbusRomNo9L"/>
-              </a:rPr>
-              <a:t>qualquer</a:t>
-            </a:r>
-            <a:r>
-              <a:rPr lang="en-US" sz="1200" dirty="0">
-                <a:latin typeface="NimbusRomNo9L"/>
-              </a:rPr>
-              <a:t> </a:t>
-            </a:r>
-            <a:r>
-              <a:rPr lang="en-US" sz="1200" dirty="0" err="1">
-                <a:latin typeface="NimbusRomNo9L"/>
-              </a:rPr>
-              <a:t>poder</a:t>
-            </a:r>
-            <a:r>
-              <a:rPr lang="en-US" sz="1200" dirty="0">
-                <a:latin typeface="NimbusRomNo9L"/>
-              </a:rPr>
-              <a:t>. </a:t>
-            </a:r>
-            <a:r>
-              <a:rPr lang="en-US" sz="1200" dirty="0" smtClean="0">
-                <a:latin typeface="NimbusRomNo9L"/>
-              </a:rPr>
-              <a:t>Para </a:t>
-            </a:r>
-            <a:r>
-              <a:rPr lang="en-US" sz="1200" dirty="0" err="1">
-                <a:latin typeface="NimbusRomNo9L"/>
-              </a:rPr>
-              <a:t>interagir</a:t>
-            </a:r>
-            <a:r>
-              <a:rPr lang="en-US" sz="1200" dirty="0">
-                <a:latin typeface="NimbusRomNo9L"/>
-              </a:rPr>
-              <a:t> com o </a:t>
-            </a:r>
-            <a:r>
-              <a:rPr lang="en-US" sz="1200" dirty="0" err="1">
-                <a:latin typeface="NimbusRomNo9L"/>
-              </a:rPr>
-              <a:t>jogo</a:t>
-            </a:r>
-            <a:r>
-              <a:rPr lang="en-US" sz="1200" dirty="0">
-                <a:latin typeface="NimbusRomNo9L"/>
-              </a:rPr>
-              <a:t>, </a:t>
-            </a:r>
-            <a:r>
-              <a:rPr lang="en-US" sz="1200" dirty="0" err="1">
-                <a:latin typeface="NimbusRomNo9L"/>
-              </a:rPr>
-              <a:t>basta</a:t>
-            </a:r>
-            <a:r>
-              <a:rPr lang="en-US" sz="1200" dirty="0">
-                <a:latin typeface="NimbusRomNo9L"/>
-              </a:rPr>
-              <a:t> mover a </a:t>
-            </a:r>
-            <a:r>
-              <a:rPr lang="en-US" sz="1200" dirty="0" err="1">
-                <a:latin typeface="NimbusRomNo9L"/>
-              </a:rPr>
-              <a:t>varinha</a:t>
-            </a:r>
-            <a:r>
-              <a:rPr lang="en-US" sz="1200" dirty="0">
-                <a:latin typeface="NimbusRomNo9L"/>
-              </a:rPr>
-              <a:t> </a:t>
-            </a:r>
-            <a:r>
-              <a:rPr lang="en-US" sz="1200" dirty="0" err="1">
-                <a:latin typeface="NimbusRomNo9L"/>
-              </a:rPr>
-              <a:t>em</a:t>
-            </a:r>
-            <a:r>
-              <a:rPr lang="en-US" sz="1200" dirty="0">
-                <a:latin typeface="NimbusRomNo9L"/>
-              </a:rPr>
-              <a:t> </a:t>
-            </a:r>
-            <a:r>
-              <a:rPr lang="en-US" sz="1200" dirty="0" err="1">
-                <a:latin typeface="NimbusRomNo9L"/>
-              </a:rPr>
-              <a:t>frente</a:t>
-            </a:r>
-            <a:r>
-              <a:rPr lang="en-US" sz="1200" dirty="0">
-                <a:latin typeface="NimbusRomNo9L"/>
-              </a:rPr>
-              <a:t> </a:t>
-            </a:r>
-            <a:r>
-              <a:rPr lang="en-US" sz="1200" dirty="0">
-                <a:latin typeface="NimbusRomNo9L"/>
-              </a:rPr>
-              <a:t>a</a:t>
-            </a:r>
-            <a:r>
-              <a:rPr lang="en-US" sz="1200" dirty="0" smtClean="0">
-                <a:latin typeface="NimbusRomNo9L"/>
-              </a:rPr>
-              <a:t> </a:t>
-            </a:r>
-            <a:r>
-              <a:rPr lang="en-US" sz="1200" dirty="0" err="1" smtClean="0">
-                <a:latin typeface="NimbusRomNo9L"/>
-              </a:rPr>
-              <a:t>tela</a:t>
-            </a:r>
-            <a:r>
-              <a:rPr lang="en-US" sz="1200" dirty="0" smtClean="0">
-                <a:latin typeface="NimbusRomNo9L"/>
-              </a:rPr>
-              <a:t> </a:t>
-            </a:r>
-            <a:r>
-              <a:rPr lang="en-US" sz="1200" dirty="0">
-                <a:latin typeface="NimbusRomNo9L"/>
-              </a:rPr>
-              <a:t>do </a:t>
-            </a:r>
-            <a:r>
-              <a:rPr lang="en-US" sz="1200" dirty="0" err="1">
-                <a:latin typeface="NimbusRomNo9L"/>
-              </a:rPr>
-              <a:t>computador</a:t>
-            </a:r>
-            <a:r>
-              <a:rPr lang="en-US" sz="1200" dirty="0">
-                <a:latin typeface="NimbusRomNo9L"/>
-              </a:rPr>
-              <a:t> e um </a:t>
-            </a:r>
-            <a:r>
-              <a:rPr lang="en-US" sz="1200" dirty="0" smtClean="0">
-                <a:latin typeface="NimbusRomNo9L"/>
-              </a:rPr>
-              <a:t>cursor </a:t>
-            </a:r>
-            <a:r>
-              <a:rPr lang="en-US" sz="1200" dirty="0" err="1" smtClean="0">
-                <a:latin typeface="NimbusRomNo9L"/>
-              </a:rPr>
-              <a:t>ir</a:t>
-            </a:r>
-            <a:r>
-              <a:rPr lang="en-US" sz="1200" dirty="0" err="1" smtClean="0">
-                <a:latin typeface="NimbusRomNo9L"/>
-              </a:rPr>
-              <a:t>á</a:t>
-            </a:r>
-            <a:r>
-              <a:rPr lang="en-US" sz="1200" dirty="0" smtClean="0">
-                <a:latin typeface="NimbusRomNo9L"/>
-              </a:rPr>
-              <a:t> </a:t>
-            </a:r>
-            <a:r>
-              <a:rPr lang="en-US" sz="1200" dirty="0" err="1">
-                <a:latin typeface="NimbusRomNo9L"/>
-              </a:rPr>
-              <a:t>indicar</a:t>
-            </a:r>
-            <a:r>
-              <a:rPr lang="en-US" sz="1200" dirty="0">
-                <a:latin typeface="NimbusRomNo9L"/>
-              </a:rPr>
-              <a:t> </a:t>
-            </a:r>
-            <a:r>
-              <a:rPr lang="en-US" sz="1200" dirty="0" err="1">
-                <a:latin typeface="NimbusRomNo9L"/>
-              </a:rPr>
-              <a:t>qual</a:t>
-            </a:r>
-            <a:r>
-              <a:rPr lang="en-US" sz="1200" dirty="0">
-                <a:latin typeface="NimbusRomNo9L"/>
-              </a:rPr>
-              <a:t> a </a:t>
-            </a:r>
-            <a:r>
-              <a:rPr lang="en-US" sz="1200" dirty="0" err="1" smtClean="0">
-                <a:latin typeface="NimbusRomNo9L"/>
-              </a:rPr>
-              <a:t>posição</a:t>
-            </a:r>
-            <a:r>
-              <a:rPr lang="en-US" sz="1200" dirty="0" smtClean="0">
-                <a:latin typeface="NimbusRomNo9L"/>
-              </a:rPr>
-              <a:t> </a:t>
-            </a:r>
-            <a:r>
-              <a:rPr lang="en-US" sz="1200" dirty="0" err="1" smtClean="0">
-                <a:latin typeface="NimbusRomNo9L"/>
-              </a:rPr>
-              <a:t>atual</a:t>
-            </a:r>
-            <a:r>
-              <a:rPr lang="en-US" sz="1200" dirty="0" smtClean="0">
-                <a:latin typeface="NimbusRomNo9L"/>
-              </a:rPr>
-              <a:t> </a:t>
-            </a:r>
-            <a:r>
-              <a:rPr lang="en-US" sz="1200" dirty="0">
-                <a:latin typeface="NimbusRomNo9L"/>
-              </a:rPr>
-              <a:t>da </a:t>
-            </a:r>
-            <a:r>
-              <a:rPr lang="en-US" sz="1200" dirty="0" err="1">
-                <a:latin typeface="NimbusRomNo9L"/>
-              </a:rPr>
-              <a:t>varinha</a:t>
-            </a:r>
-            <a:r>
-              <a:rPr lang="en-US" sz="1200" dirty="0">
-                <a:latin typeface="NimbusRomNo9L"/>
-              </a:rPr>
-              <a:t> </a:t>
-            </a:r>
-            <a:r>
-              <a:rPr lang="en-US" sz="1200" dirty="0" err="1">
-                <a:latin typeface="NimbusRomNo9L"/>
-              </a:rPr>
-              <a:t>dentro</a:t>
-            </a:r>
-            <a:r>
-              <a:rPr lang="en-US" sz="1200" dirty="0">
-                <a:latin typeface="NimbusRomNo9L"/>
-              </a:rPr>
-              <a:t> do </a:t>
-            </a:r>
-            <a:r>
-              <a:rPr lang="en-US" sz="1200" dirty="0" err="1">
-                <a:latin typeface="NimbusRomNo9L"/>
-              </a:rPr>
-              <a:t>jogo</a:t>
-            </a:r>
-            <a:r>
-              <a:rPr lang="en-US" sz="1200" dirty="0">
-                <a:latin typeface="NimbusRomNo9L"/>
-              </a:rPr>
-              <a:t>. Para </a:t>
-            </a:r>
-            <a:r>
-              <a:rPr lang="en-US" sz="1200" dirty="0" err="1">
-                <a:latin typeface="NimbusRomNo9L"/>
-              </a:rPr>
-              <a:t>selecionar</a:t>
-            </a:r>
-            <a:r>
-              <a:rPr lang="en-US" sz="1200" dirty="0">
-                <a:latin typeface="NimbusRomNo9L"/>
-              </a:rPr>
-              <a:t> o </a:t>
-            </a:r>
-            <a:r>
-              <a:rPr lang="en-US" sz="1200" dirty="0" err="1">
-                <a:latin typeface="NimbusRomNo9L"/>
-              </a:rPr>
-              <a:t>poder</a:t>
-            </a:r>
-            <a:r>
-              <a:rPr lang="en-US" sz="1200" dirty="0">
-                <a:latin typeface="NimbusRomNo9L"/>
-              </a:rPr>
-              <a:t> </a:t>
-            </a:r>
-            <a:r>
-              <a:rPr lang="en-US" sz="1200" dirty="0" err="1">
-                <a:latin typeface="NimbusRomNo9L"/>
-              </a:rPr>
-              <a:t>desejado</a:t>
-            </a:r>
-            <a:r>
-              <a:rPr lang="en-US" sz="1200" dirty="0">
-                <a:latin typeface="NimbusRomNo9L"/>
-              </a:rPr>
-              <a:t>, </a:t>
-            </a:r>
-            <a:r>
-              <a:rPr lang="en-US" sz="1200" dirty="0" err="1" smtClean="0">
-                <a:latin typeface="NimbusRomNo9L"/>
-              </a:rPr>
-              <a:t>é</a:t>
-            </a:r>
-            <a:r>
-              <a:rPr lang="en-US" sz="1200" dirty="0" smtClean="0">
-                <a:latin typeface="NimbusRomNo9L"/>
-              </a:rPr>
-              <a:t> </a:t>
-            </a:r>
-            <a:r>
-              <a:rPr lang="en-US" sz="1200" dirty="0" err="1" smtClean="0">
-                <a:latin typeface="NimbusRomNo9L"/>
-              </a:rPr>
-              <a:t>necess</a:t>
-            </a:r>
-            <a:r>
-              <a:rPr lang="en-US" sz="1200" dirty="0" err="1" smtClean="0">
-                <a:latin typeface="NimbusRomNo9L"/>
-              </a:rPr>
-              <a:t>á</a:t>
-            </a:r>
-            <a:r>
-              <a:rPr lang="en-US" sz="1200" dirty="0" err="1" smtClean="0">
-                <a:latin typeface="NimbusRomNo9L"/>
-              </a:rPr>
-              <a:t>rio</a:t>
-            </a:r>
-            <a:r>
-              <a:rPr lang="en-US" sz="1200" dirty="0" smtClean="0">
-                <a:latin typeface="NimbusRomNo9L"/>
-              </a:rPr>
-              <a:t> </a:t>
-            </a:r>
-            <a:r>
-              <a:rPr lang="en-US" sz="1200" dirty="0" err="1">
-                <a:latin typeface="NimbusRomNo9L"/>
-              </a:rPr>
-              <a:t>posicionar</a:t>
-            </a:r>
-            <a:r>
-              <a:rPr lang="en-US" sz="1200" dirty="0">
-                <a:latin typeface="NimbusRomNo9L"/>
-              </a:rPr>
-              <a:t> o cursor </a:t>
-            </a:r>
-            <a:r>
-              <a:rPr lang="en-US" sz="1200" dirty="0" err="1">
-                <a:latin typeface="NimbusRomNo9L"/>
-              </a:rPr>
-              <a:t>por</a:t>
-            </a:r>
-            <a:r>
-              <a:rPr lang="en-US" sz="1200" dirty="0">
-                <a:latin typeface="NimbusRomNo9L"/>
-              </a:rPr>
-              <a:t> </a:t>
-            </a:r>
-            <a:r>
-              <a:rPr lang="en-US" sz="1200" dirty="0" err="1">
-                <a:latin typeface="NimbusRomNo9L"/>
-              </a:rPr>
-              <a:t>dois</a:t>
-            </a:r>
-            <a:r>
-              <a:rPr lang="en-US" sz="1200" dirty="0">
-                <a:latin typeface="NimbusRomNo9L"/>
-              </a:rPr>
-              <a:t> </a:t>
-            </a:r>
-            <a:r>
-              <a:rPr lang="en-US" sz="1200" dirty="0" err="1">
-                <a:latin typeface="NimbusRomNo9L"/>
-              </a:rPr>
-              <a:t>segundos</a:t>
-            </a:r>
-            <a:r>
-              <a:rPr lang="en-US" sz="1200" dirty="0">
-                <a:latin typeface="NimbusRomNo9L"/>
-              </a:rPr>
-              <a:t> </a:t>
-            </a:r>
-            <a:r>
-              <a:rPr lang="en-US" sz="1200" dirty="0" err="1">
-                <a:latin typeface="NimbusRomNo9L"/>
-              </a:rPr>
-              <a:t>em</a:t>
-            </a:r>
-            <a:r>
-              <a:rPr lang="en-US" sz="1200" dirty="0">
-                <a:latin typeface="NimbusRomNo9L"/>
-              </a:rPr>
-              <a:t> </a:t>
-            </a:r>
-            <a:r>
-              <a:rPr lang="en-US" sz="1200" dirty="0" err="1">
-                <a:latin typeface="NimbusRomNo9L"/>
-              </a:rPr>
-              <a:t>cima</a:t>
-            </a:r>
-            <a:r>
-              <a:rPr lang="en-US" sz="1200" dirty="0">
-                <a:latin typeface="NimbusRomNo9L"/>
-              </a:rPr>
-              <a:t> </a:t>
-            </a:r>
-            <a:r>
-              <a:rPr lang="en-US" sz="1200" dirty="0" err="1">
-                <a:latin typeface="NimbusRomNo9L"/>
-              </a:rPr>
-              <a:t>desse</a:t>
-            </a:r>
-            <a:r>
-              <a:rPr lang="en-US" sz="1200" dirty="0">
-                <a:latin typeface="NimbusRomNo9L"/>
-              </a:rPr>
-              <a:t> </a:t>
-            </a:r>
-            <a:r>
-              <a:rPr lang="en-US" sz="1200" dirty="0" err="1">
-                <a:latin typeface="NimbusRomNo9L"/>
-              </a:rPr>
-              <a:t>poder</a:t>
-            </a:r>
-            <a:r>
-              <a:rPr lang="en-US" sz="1200" dirty="0" smtClean="0">
-                <a:latin typeface="NimbusRomNo9L"/>
-              </a:rPr>
-              <a:t>.</a:t>
-            </a:r>
-            <a:endParaRPr lang="en-US" sz="800" dirty="0"/>
+              <a:t>Com a varinha mágica, o jogador poderá interagir com os elementos dentro do jogo. Ao selecionar um poder a luz na ponta da varinha irá assumir a cor desse poder, indicando se ele foi selecionado e está ativo. Se não houver luz, significa que a seleção de poderes está desabilitada temporariamente. Caso a luz seja da cor branca, então está habilitada para selecionar qualquer poder. Para interagir com o jogo, basta mover a varinha em frente a tela do computador e um cursor irá indicar qual a posição atual da varinha dentro do jogo. Para selecionar o poder desejado, é necessário posicionar o cursor por dois segundos em cima desse poder.</a:t>
+            </a:r>
+            <a:endParaRPr lang="pt-BR" sz="800" dirty="0"/>
           </a:p>
         </p:txBody>
       </p:sp>
@@ -9333,42 +5399,21 @@
                 <a:latin typeface="Arial"/>
                 <a:cs typeface="Arial"/>
               </a:rPr>
-              <a:t>computa</a:t>
+              <a:t>computação</a:t>
+            </a:r>
+            <a:r>
+              <a:rPr lang="en-US" sz="1050" dirty="0" smtClean="0">
+                <a:latin typeface="Arial"/>
+                <a:cs typeface="Arial"/>
+              </a:rPr>
+              <a:t> </a:t>
             </a:r>
             <a:r>
               <a:rPr lang="en-US" sz="1050" dirty="0" err="1" smtClean="0">
                 <a:latin typeface="Arial"/>
                 <a:cs typeface="Arial"/>
               </a:rPr>
-              <a:t>ção</a:t>
-            </a:r>
-            <a:r>
-              <a:rPr lang="en-US" sz="1050" dirty="0" smtClean="0">
-                <a:latin typeface="Arial"/>
-                <a:cs typeface="Arial"/>
-              </a:rPr>
-              <a:t> </a:t>
-            </a:r>
-            <a:r>
-              <a:rPr lang="en-US" sz="1050" dirty="0" err="1" smtClean="0">
-                <a:latin typeface="Arial"/>
-                <a:cs typeface="Arial"/>
-              </a:rPr>
-              <a:t>gr</a:t>
-            </a:r>
-            <a:r>
-              <a:rPr lang="en-US" sz="1050" dirty="0" err="1" smtClean="0">
-                <a:latin typeface="Arial"/>
-                <a:cs typeface="Arial"/>
-              </a:rPr>
-              <a:t>á</a:t>
-            </a:r>
-            <a:r>
-              <a:rPr lang="en-US" sz="1050" dirty="0" err="1" smtClean="0">
-                <a:latin typeface="Arial"/>
-                <a:cs typeface="Arial"/>
-              </a:rPr>
-              <a:t>fica</a:t>
+              <a:t>gráfica</a:t>
             </a:r>
             <a:r>
               <a:rPr lang="en-US" sz="1050" dirty="0">
@@ -9494,21 +5539,7 @@
                 <a:latin typeface="Arial"/>
                 <a:cs typeface="Arial"/>
               </a:rPr>
-              <a:t>gr</a:t>
-            </a:r>
-            <a:r>
-              <a:rPr lang="en-US" sz="1050" dirty="0" err="1" smtClean="0">
-                <a:latin typeface="Arial"/>
-                <a:cs typeface="Arial"/>
-              </a:rPr>
-              <a:t>á</a:t>
-            </a:r>
-            <a:r>
-              <a:rPr lang="en-US" sz="1050" dirty="0" err="1" smtClean="0">
-                <a:latin typeface="Arial"/>
-                <a:cs typeface="Arial"/>
-              </a:rPr>
-              <a:t>fica</a:t>
+              <a:t>gráfica</a:t>
             </a:r>
             <a:r>
               <a:rPr lang="en-US" sz="1050" dirty="0" smtClean="0">
@@ -9633,63 +5664,35 @@
                 <a:latin typeface="Arial"/>
                 <a:cs typeface="Arial"/>
               </a:rPr>
-              <a:t>Gr</a:t>
+              <a:t>Gráfica</a:t>
+            </a:r>
+            <a:r>
+              <a:rPr lang="en-US" sz="1050" i="1" dirty="0" smtClean="0">
+                <a:latin typeface="Arial"/>
+                <a:cs typeface="Arial"/>
+              </a:rPr>
+              <a:t>: </a:t>
             </a:r>
             <a:r>
               <a:rPr lang="en-US" sz="1050" i="1" dirty="0" err="1" smtClean="0">
                 <a:latin typeface="Arial"/>
                 <a:cs typeface="Arial"/>
               </a:rPr>
-              <a:t>á</a:t>
+              <a:t>teoria</a:t>
+            </a:r>
+            <a:r>
+              <a:rPr lang="en-US" sz="1050" i="1" dirty="0" smtClean="0">
+                <a:latin typeface="Arial"/>
+                <a:cs typeface="Arial"/>
+              </a:rPr>
+              <a:t> e </a:t>
             </a:r>
             <a:r>
               <a:rPr lang="en-US" sz="1050" i="1" dirty="0" err="1" smtClean="0">
                 <a:latin typeface="Arial"/>
                 <a:cs typeface="Arial"/>
               </a:rPr>
-              <a:t>fica</a:t>
-            </a:r>
-            <a:r>
-              <a:rPr lang="en-US" sz="1050" i="1" dirty="0" smtClean="0">
-                <a:latin typeface="Arial"/>
-                <a:cs typeface="Arial"/>
-              </a:rPr>
-              <a:t>: </a:t>
-            </a:r>
-            <a:r>
-              <a:rPr lang="en-US" sz="1050" i="1" dirty="0" err="1" smtClean="0">
-                <a:latin typeface="Arial"/>
-                <a:cs typeface="Arial"/>
-              </a:rPr>
-              <a:t>teoria</a:t>
-            </a:r>
-            <a:r>
-              <a:rPr lang="en-US" sz="1050" i="1" dirty="0" smtClean="0">
-                <a:latin typeface="Arial"/>
-                <a:cs typeface="Arial"/>
-              </a:rPr>
-              <a:t> e </a:t>
-            </a:r>
-            <a:r>
-              <a:rPr lang="en-US" sz="1050" i="1" dirty="0" err="1" smtClean="0">
-                <a:latin typeface="Arial"/>
-                <a:cs typeface="Arial"/>
-              </a:rPr>
-              <a:t>pr</a:t>
-            </a:r>
-            <a:r>
-              <a:rPr lang="en-US" sz="1050" i="1" dirty="0" err="1" smtClean="0">
-                <a:latin typeface="Arial"/>
-                <a:cs typeface="Arial"/>
-              </a:rPr>
-              <a:t>á</a:t>
-            </a:r>
-            <a:r>
-              <a:rPr lang="en-US" sz="1050" i="1" dirty="0" err="1" smtClean="0">
-                <a:latin typeface="Arial"/>
-                <a:cs typeface="Arial"/>
-              </a:rPr>
-              <a:t>tica</a:t>
+              <a:t>prática</a:t>
             </a:r>
             <a:r>
               <a:rPr lang="en-US" sz="1050" dirty="0" smtClean="0">
@@ -9776,21 +5779,7 @@
                 <a:latin typeface="Arial"/>
                 <a:cs typeface="Arial"/>
               </a:rPr>
-              <a:t>vis</a:t>
-            </a:r>
-            <a:r>
-              <a:rPr lang="en-US" sz="1050" dirty="0" err="1" smtClean="0">
-                <a:latin typeface="Arial"/>
-                <a:cs typeface="Arial"/>
-              </a:rPr>
-              <a:t>ã</a:t>
-            </a:r>
-            <a:r>
-              <a:rPr lang="en-US" sz="1050" dirty="0" err="1" smtClean="0">
-                <a:latin typeface="Arial"/>
-                <a:cs typeface="Arial"/>
-              </a:rPr>
-              <a:t>o</a:t>
+              <a:t>visão</a:t>
             </a:r>
             <a:r>
               <a:rPr lang="en-US" sz="1050" dirty="0" smtClean="0">
@@ -10049,28 +6038,7 @@
                 <a:latin typeface="Arial"/>
                 <a:cs typeface="Arial"/>
               </a:rPr>
-              <a:t>O Estudo de algoritmos e t</a:t>
-            </a:r>
-            <a:r>
-              <a:rPr lang="pt-BR" sz="1200" dirty="0" smtClean="0">
-                <a:latin typeface="Arial"/>
-                <a:cs typeface="Arial"/>
-              </a:rPr>
-              <a:t>écnicas da Visão Computacional aplicados na prática contribui para nosso aprendizado, no desenvolvimento de novas habilidades no que se refere a buscar soluções </a:t>
-            </a:r>
-            <a:r>
-              <a:rPr lang="pt-BR" sz="1200" smtClean="0">
-                <a:latin typeface="Arial"/>
-                <a:cs typeface="Arial"/>
-              </a:rPr>
-              <a:t>que integram </a:t>
-            </a:r>
-            <a:r>
-              <a:rPr lang="pt-BR" sz="1200" dirty="0" smtClean="0">
-                <a:latin typeface="Arial"/>
-                <a:cs typeface="Arial"/>
-              </a:rPr>
-              <a:t>o processamento de imagens e sua usabilidade.</a:t>
+              <a:t>O Estudo de algoritmos e técnicas da Visão Computacional aplicados na prática contribui para nosso aprendizado, no desenvolvimento de novas habilidades no que se refere a buscar soluções que integram o processamento de imagens e sua usabilidade.</a:t>
             </a:r>
             <a:endParaRPr lang="pt-BR" sz="1200" dirty="0">
               <a:latin typeface="Arial"/>
@@ -10088,7 +6056,7 @@
           <p:nvPr/>
         </p:nvPicPr>
         <p:blipFill>
-          <a:blip r:embed="rId4">
+          <a:blip r:embed="rId4" cstate="print">
             <a:extLst>
               <a:ext uri="{28A0092B-C50C-407E-A947-70E740481C1C}">
                 <a14:useLocalDpi xmlns:a14="http://schemas.microsoft.com/office/drawing/2010/main" val="0"/>
@@ -10118,7 +6086,7 @@
         <p:spPr>
           <a:xfrm>
             <a:off x="49714" y="10721280"/>
-            <a:ext cx="2518638" cy="1754327"/>
+            <a:ext cx="2564676" cy="1754326"/>
           </a:xfrm>
           <a:prstGeom prst="rect">
             <a:avLst/>
@@ -10136,79 +6104,12 @@
               <a:buChar char="•"/>
             </a:pPr>
             <a:r>
-              <a:rPr lang="en-US" sz="1200" dirty="0" err="1" smtClean="0">
-                <a:latin typeface="Arial"/>
-                <a:cs typeface="Arial"/>
-              </a:rPr>
-              <a:t>C</a:t>
-            </a:r>
-            <a:r>
-              <a:rPr lang="en-US" sz="1200" dirty="0" err="1" smtClean="0">
-                <a:latin typeface="Arial"/>
-                <a:cs typeface="Arial"/>
-              </a:rPr>
-              <a:t>â</a:t>
-            </a:r>
-            <a:r>
-              <a:rPr lang="en-US" sz="1200" dirty="0" err="1" smtClean="0">
-                <a:latin typeface="Arial"/>
-                <a:cs typeface="Arial"/>
-              </a:rPr>
-              <a:t>mera</a:t>
-            </a:r>
-            <a:r>
-              <a:rPr lang="en-US" sz="1200" dirty="0" smtClean="0">
-                <a:latin typeface="Arial"/>
-                <a:cs typeface="Arial"/>
-              </a:rPr>
-              <a:t> </a:t>
-            </a:r>
-            <a:r>
-              <a:rPr lang="en-US" sz="1200" dirty="0">
-                <a:latin typeface="Arial"/>
-                <a:cs typeface="Arial"/>
-              </a:rPr>
-              <a:t>de </a:t>
-            </a:r>
-            <a:r>
-              <a:rPr lang="en-US" sz="1200" dirty="0" err="1">
-                <a:latin typeface="Arial"/>
-                <a:cs typeface="Arial"/>
-              </a:rPr>
-              <a:t>captura</a:t>
-            </a:r>
-            <a:r>
-              <a:rPr lang="en-US" sz="1200" dirty="0">
-                <a:latin typeface="Arial"/>
-                <a:cs typeface="Arial"/>
-              </a:rPr>
-              <a:t> de </a:t>
-            </a:r>
-            <a:r>
-              <a:rPr lang="en-US" sz="1200" dirty="0" err="1" smtClean="0">
-                <a:latin typeface="Arial"/>
-                <a:cs typeface="Arial"/>
-              </a:rPr>
-              <a:t>v</a:t>
-            </a:r>
-            <a:r>
-              <a:rPr lang="en-US" sz="1200" dirty="0" err="1" smtClean="0">
-                <a:latin typeface="Arial"/>
-                <a:cs typeface="Arial"/>
-              </a:rPr>
-              <a:t>í</a:t>
-            </a:r>
-            <a:r>
-              <a:rPr lang="en-US" sz="1200" dirty="0" err="1" smtClean="0">
-                <a:latin typeface="Arial"/>
-                <a:cs typeface="Arial"/>
-              </a:rPr>
-              <a:t>deo</a:t>
-            </a:r>
-            <a:endParaRPr lang="en-US" sz="1200" dirty="0" smtClean="0">
-              <a:latin typeface="Arial"/>
-              <a:cs typeface="Arial"/>
-            </a:endParaRPr>
+              <a:rPr lang="pt-BR" sz="1200" dirty="0" smtClean="0">
+                <a:latin typeface="Arial"/>
+                <a:cs typeface="Arial"/>
+              </a:rPr>
+              <a:t>Câmera de captura de vídeo;</a:t>
+            </a:r>
           </a:p>
           <a:p>
             <a:pPr marL="171450" indent="-171450">
@@ -10216,53 +6117,25 @@
               <a:buChar char="•"/>
             </a:pPr>
             <a:r>
-              <a:rPr lang="en-US" sz="1200" dirty="0" err="1" smtClean="0">
-                <a:latin typeface="Arial"/>
-                <a:cs typeface="Arial"/>
-              </a:rPr>
-              <a:t>Placa</a:t>
-            </a:r>
-            <a:r>
-              <a:rPr lang="en-US" sz="1200" dirty="0" smtClean="0">
-                <a:latin typeface="Arial"/>
-                <a:cs typeface="Arial"/>
-              </a:rPr>
-              <a:t> </a:t>
-            </a:r>
-            <a:r>
-              <a:rPr lang="en-US" sz="1200" dirty="0" err="1">
-                <a:latin typeface="Arial"/>
-                <a:cs typeface="Arial"/>
-              </a:rPr>
-              <a:t>controladora</a:t>
-            </a:r>
-            <a:r>
-              <a:rPr lang="en-US" sz="1200" dirty="0">
-                <a:latin typeface="Arial"/>
-                <a:cs typeface="Arial"/>
-              </a:rPr>
-              <a:t> </a:t>
-            </a:r>
-            <a:r>
-              <a:rPr lang="en-US" sz="1200" dirty="0" err="1">
+              <a:rPr lang="pt-BR" sz="1200" dirty="0" smtClean="0">
+                <a:latin typeface="Arial"/>
+                <a:cs typeface="Arial"/>
+              </a:rPr>
+              <a:t>Placa controladora </a:t>
+            </a:r>
+            <a:r>
+              <a:rPr lang="pt-BR" sz="1200" dirty="0" err="1" smtClean="0">
                 <a:latin typeface="Arial"/>
                 <a:cs typeface="Arial"/>
               </a:rPr>
               <a:t>Arduino</a:t>
             </a:r>
             <a:r>
-              <a:rPr lang="en-US" sz="1200" dirty="0">
-                <a:latin typeface="Arial"/>
-                <a:cs typeface="Arial"/>
-              </a:rPr>
-              <a:t> </a:t>
-            </a:r>
-            <a:r>
-              <a:rPr lang="en-US" sz="1200" dirty="0" smtClean="0">
-                <a:latin typeface="Arial"/>
-                <a:cs typeface="Arial"/>
-              </a:rPr>
-              <a:t>Uno</a:t>
+              <a:rPr lang="pt-BR" sz="1200" dirty="0" smtClean="0">
+                <a:latin typeface="Arial"/>
+                <a:cs typeface="Arial"/>
+              </a:rPr>
+              <a:t> Uno;</a:t>
             </a:r>
           </a:p>
           <a:p>
@@ -10271,11 +6144,11 @@
               <a:buChar char="•"/>
             </a:pPr>
             <a:r>
-              <a:rPr lang="en-US" sz="1200" dirty="0" smtClean="0">
-                <a:latin typeface="Arial"/>
-                <a:cs typeface="Arial"/>
-              </a:rPr>
-              <a:t>LED RGB</a:t>
+              <a:rPr lang="pt-BR" sz="1200" dirty="0" smtClean="0">
+                <a:latin typeface="Arial"/>
+                <a:cs typeface="Arial"/>
+              </a:rPr>
+              <a:t>LED RGB;</a:t>
             </a:r>
           </a:p>
           <a:p>
@@ -10284,16 +6157,12 @@
               <a:buChar char="•"/>
             </a:pPr>
             <a:r>
-              <a:rPr lang="en-US" sz="1200" dirty="0" err="1" smtClean="0">
-                <a:latin typeface="Arial"/>
-                <a:cs typeface="Arial"/>
-              </a:rPr>
-              <a:t>Computador</a:t>
-            </a:r>
-            <a:endParaRPr lang="en-US" sz="1200" dirty="0" smtClean="0">
-              <a:latin typeface="Arial"/>
-              <a:cs typeface="Arial"/>
-            </a:endParaRPr>
+              <a:rPr lang="pt-BR" sz="1200" dirty="0" smtClean="0">
+                <a:latin typeface="Arial"/>
+                <a:cs typeface="Arial"/>
+              </a:rPr>
+              <a:t>Computador;</a:t>
+            </a:r>
           </a:p>
           <a:p>
             <a:pPr marL="171450" lvl="0" indent="-171450">
@@ -10301,7 +6170,7 @@
               <a:buChar char="•"/>
             </a:pPr>
             <a:r>
-              <a:rPr lang="en-US" sz="1200" dirty="0" err="1">
+              <a:rPr lang="pt-BR" sz="1200" dirty="0" err="1" smtClean="0">
                 <a:solidFill>
                   <a:srgbClr val="000000"/>
                 </a:solidFill>
@@ -10311,7 +6180,7 @@
               <a:t>OpenCV</a:t>
             </a:r>
             <a:r>
-              <a:rPr lang="en-US" sz="1200" dirty="0">
+              <a:rPr lang="pt-BR" sz="1200" dirty="0" smtClean="0">
                 <a:solidFill>
                   <a:srgbClr val="000000"/>
                 </a:solidFill>
@@ -10327,14 +6196,24 @@
               <a:buChar char="•"/>
             </a:pPr>
             <a:r>
-              <a:rPr lang="en-US" sz="1200" dirty="0">
+              <a:rPr lang="pt-BR" sz="1200" dirty="0" err="1" smtClean="0">
                 <a:solidFill>
                   <a:srgbClr val="000000"/>
                 </a:solidFill>
                 <a:latin typeface="Arial"/>
                 <a:cs typeface="Arial"/>
               </a:rPr>
-              <a:t>Allegro 5.0;</a:t>
+              <a:t>Allegro</a:t>
+            </a:r>
+            <a:r>
+              <a:rPr lang="pt-BR" sz="1200" dirty="0" smtClean="0">
+                <a:solidFill>
+                  <a:srgbClr val="000000"/>
+                </a:solidFill>
+                <a:latin typeface="Arial"/>
+                <a:cs typeface="Arial"/>
+              </a:rPr>
+              <a:t> 5.0;</a:t>
             </a:r>
           </a:p>
           <a:p>
@@ -10343,7 +6222,7 @@
               <a:buChar char="•"/>
             </a:pPr>
             <a:r>
-              <a:rPr lang="en-US" sz="1200" dirty="0" err="1">
+              <a:rPr lang="pt-BR" sz="1200" dirty="0" err="1" smtClean="0">
                 <a:solidFill>
                   <a:srgbClr val="000000"/>
                 </a:solidFill>
@@ -10353,7 +6232,7 @@
               <a:t>Arduino</a:t>
             </a:r>
             <a:r>
-              <a:rPr lang="en-US" sz="1200" dirty="0">
+              <a:rPr lang="pt-BR" sz="1200" dirty="0" smtClean="0">
                 <a:solidFill>
                   <a:srgbClr val="000000"/>
                 </a:solidFill>
@@ -10369,17 +6248,17 @@
               <a:buChar char="•"/>
             </a:pPr>
             <a:r>
-              <a:rPr lang="en-US" sz="1200" dirty="0" err="1">
+              <a:rPr lang="pt-BR" sz="1200" dirty="0" err="1" smtClean="0">
                 <a:solidFill>
                   <a:srgbClr val="000000"/>
                 </a:solidFill>
                 <a:latin typeface="Arial"/>
                 <a:cs typeface="Arial"/>
               </a:rPr>
-              <a:t>GigHub</a:t>
-            </a:r>
-            <a:r>
-              <a:rPr lang="en-US" sz="1200" dirty="0">
+              <a:t>GitHub</a:t>
+            </a:r>
+            <a:r>
+              <a:rPr lang="pt-BR" sz="1200" dirty="0" smtClean="0">
                 <a:solidFill>
                   <a:srgbClr val="000000"/>
                 </a:solidFill>
@@ -10395,45 +6274,22 @@
               <a:buChar char="•"/>
             </a:pPr>
             <a:r>
-              <a:rPr lang="en-US" sz="1200" dirty="0" err="1">
+              <a:rPr lang="pt-BR" sz="1200" dirty="0" smtClean="0">
                 <a:solidFill>
                   <a:srgbClr val="000000"/>
                 </a:solidFill>
                 <a:latin typeface="Arial"/>
                 <a:cs typeface="Arial"/>
               </a:rPr>
-              <a:t>Linguagem</a:t>
-            </a:r>
-            <a:r>
-              <a:rPr lang="en-US" sz="1200" dirty="0">
-                <a:solidFill>
-                  <a:srgbClr val="000000"/>
-                </a:solidFill>
-                <a:latin typeface="Arial"/>
-                <a:cs typeface="Arial"/>
-              </a:rPr>
-              <a:t> C </a:t>
-            </a:r>
-            <a:r>
-              <a:rPr lang="en-US" sz="1200" dirty="0" err="1">
-                <a:solidFill>
-                  <a:srgbClr val="000000"/>
-                </a:solidFill>
-                <a:latin typeface="Arial"/>
-                <a:cs typeface="Arial"/>
-              </a:rPr>
-              <a:t>padrão</a:t>
-            </a:r>
-            <a:r>
-              <a:rPr lang="en-US" sz="1200" dirty="0">
-                <a:solidFill>
-                  <a:srgbClr val="000000"/>
-                </a:solidFill>
-                <a:latin typeface="Arial"/>
-                <a:cs typeface="Arial"/>
-              </a:rPr>
-              <a:t> c99. </a:t>
-            </a:r>
+              <a:t>Linguagem C padrão c99;</a:t>
+            </a:r>
+            <a:endParaRPr lang="pt-BR" sz="1200" dirty="0">
+              <a:solidFill>
+                <a:srgbClr val="000000"/>
+              </a:solidFill>
+              <a:latin typeface="Arial"/>
+              <a:cs typeface="Arial"/>
+            </a:endParaRPr>
           </a:p>
         </p:txBody>
       </p:sp>
@@ -10445,7 +6301,7 @@
   <p:timing>
     <p:tnLst>
       <p:par>
-        <p:cTn xmlns:p14="http://schemas.microsoft.com/office/powerpoint/2010/main" id="1" dur="indefinite" restart="never" nodeType="tmRoot"/>
+        <p:cTn id="1" dur="indefinite" restart="never" nodeType="tmRoot"/>
       </p:par>
     </p:tnLst>
   </p:timing>
